--- a/SVR/Report/FRCI USING SVM_II.pptx
+++ b/SVR/Report/FRCI USING SVM_II.pptx
@@ -229,7 +229,7 @@
           <a:p>
             <a:fld id="{485DB471-B93B-45E3-B23A-C8EFA6773073}" type="datetimeFigureOut">
               <a:rPr lang="id-ID" smtClean="0"/>
-              <a:t>08/11/2018</a:t>
+              <a:t>30/11/2018</a:t>
             </a:fld>
             <a:endParaRPr lang="id-ID"/>
           </a:p>
@@ -1681,11 +1681,7 @@
             </a:pPr>
             <a:r>
               <a:rPr lang="en-US" sz="2400" dirty="0" smtClean="0"/>
-              <a:t>300 Sample </a:t>
-            </a:r>
-            <a:r>
-              <a:rPr lang="en-US" sz="2400" dirty="0" smtClean="0"/>
-              <a:t>data</a:t>
+              <a:t>300 Sample data</a:t>
             </a:r>
           </a:p>
           <a:p>
@@ -1701,7 +1697,6 @@
               <a:rPr lang="en-US" sz="2400" dirty="0" smtClean="0"/>
               <a:t>)</a:t>
             </a:r>
-            <a:endParaRPr lang="en-US" sz="2400" dirty="0" smtClean="0"/>
           </a:p>
           <a:p>
             <a:pPr marL="285750" indent="-285750">
@@ -1709,17 +1704,14 @@
               <a:buChar char="v"/>
             </a:pPr>
             <a:r>
+              <a:rPr lang="en-US" sz="2400" dirty="0" err="1" smtClean="0"/>
+              <a:t>Normalisasi</a:t>
+            </a:r>
+            <a:r>
               <a:rPr lang="en-US" sz="2400" dirty="0" smtClean="0"/>
-              <a:t>Feature Selection using </a:t>
-            </a:r>
-            <a:r>
-              <a:rPr lang="en-US" sz="2400" dirty="0" err="1" smtClean="0"/>
-              <a:t>Boruta</a:t>
-            </a:r>
-            <a:r>
-              <a:rPr lang="en-US" sz="2400" dirty="0" smtClean="0"/>
-              <a:t> Algorithm</a:t>
-            </a:r>
+              <a:t> Data (Feature Scaling)</a:t>
+            </a:r>
+            <a:endParaRPr lang="en-US" sz="2400" dirty="0" smtClean="0"/>
           </a:p>
           <a:p>
             <a:pPr marL="285750" indent="-285750">
@@ -1738,7 +1730,7 @@
             </a:pPr>
             <a:r>
               <a:rPr lang="en-US" sz="2400" dirty="0" smtClean="0"/>
-              <a:t>Model predicted using SVM</a:t>
+              <a:t>Model predicted using SVR (Support Vector Regression)</a:t>
             </a:r>
           </a:p>
           <a:p>
@@ -1796,7 +1788,7 @@
         <p:spPr>
           <a:xfrm>
             <a:off x="248509" y="332656"/>
-            <a:ext cx="4107471" cy="369332"/>
+            <a:ext cx="3782254" cy="369332"/>
           </a:xfrm>
           <a:prstGeom prst="rect">
             <a:avLst/>
@@ -1809,50 +1801,130 @@
           <a:lstStyle/>
           <a:p>
             <a:r>
-              <a:rPr lang="en-US" b="1" dirty="0"/>
-              <a:t>Feature Selection using </a:t>
-            </a:r>
-            <a:r>
-              <a:rPr lang="en-US" b="1" dirty="0" err="1"/>
-              <a:t>Boruta</a:t>
-            </a:r>
-            <a:r>
-              <a:rPr lang="en-US" b="1" dirty="0"/>
-              <a:t> Algorithm</a:t>
-            </a:r>
+              <a:rPr lang="en-US" b="1" dirty="0" err="1" smtClean="0"/>
+              <a:t>Normalisasi</a:t>
+            </a:r>
+            <a:r>
+              <a:rPr lang="en-US" b="1" dirty="0" smtClean="0"/>
+              <a:t> Data with </a:t>
+            </a:r>
+            <a:r>
+              <a:rPr lang="en-US" b="1" dirty="0" err="1" smtClean="0"/>
+              <a:t>StandardScaler</a:t>
+            </a:r>
+            <a:endParaRPr lang="en-US" b="1" dirty="0"/>
+          </a:p>
+        </p:txBody>
+      </p:sp>
+      <p:sp>
+        <p:nvSpPr>
+          <p:cNvPr id="5" name="Rectangle 4"/>
+          <p:cNvSpPr/>
+          <p:nvPr/>
+        </p:nvSpPr>
+        <p:spPr>
+          <a:xfrm>
+            <a:off x="-36511" y="5589240"/>
+            <a:ext cx="8932002" cy="369332"/>
+          </a:xfrm>
+          <a:prstGeom prst="rect">
+            <a:avLst/>
+          </a:prstGeom>
+        </p:spPr>
+        <p:txBody>
+          <a:bodyPr wrap="square">
+            <a:spAutoFit/>
+          </a:bodyPr>
+          <a:lstStyle/>
+          <a:p>
+            <a:r>
+              <a:rPr lang="en-US" dirty="0"/>
+              <a:t>https://</a:t>
+            </a:r>
+            <a:r>
+              <a:rPr lang="en-US" dirty="0" smtClean="0"/>
+              <a:t>scikit-learn.org/stable/modules/generated/sklearn.preprocessing.StandardScaler.html</a:t>
+            </a:r>
+            <a:endParaRPr lang="en-US" dirty="0"/>
           </a:p>
         </p:txBody>
       </p:sp>
       <p:pic>
         <p:nvPicPr>
-          <p:cNvPr id="3" name="Picture 2"/>
+          <p:cNvPr id="6" name="Picture 5"/>
           <p:cNvPicPr>
             <a:picLocks noChangeAspect="1"/>
           </p:cNvPicPr>
           <p:nvPr/>
         </p:nvPicPr>
         <p:blipFill>
-          <a:blip r:embed="rId2">
-            <a:extLst>
-              <a:ext uri="{28A0092B-C50C-407E-A947-70E740481C1C}">
-                <a14:useLocalDpi xmlns:a14="http://schemas.microsoft.com/office/drawing/2010/main" val="0"/>
-              </a:ext>
-            </a:extLst>
-          </a:blip>
+          <a:blip r:embed="rId2"/>
           <a:stretch>
             <a:fillRect/>
           </a:stretch>
         </p:blipFill>
         <p:spPr>
           <a:xfrm>
-            <a:off x="1115616" y="908720"/>
-            <a:ext cx="6624736" cy="4897947"/>
+            <a:off x="899592" y="1093387"/>
+            <a:ext cx="5525641" cy="1728192"/>
           </a:xfrm>
           <a:prstGeom prst="rect">
             <a:avLst/>
           </a:prstGeom>
         </p:spPr>
       </p:pic>
+      <p:pic>
+        <p:nvPicPr>
+          <p:cNvPr id="7" name="Picture 6"/>
+          <p:cNvPicPr>
+            <a:picLocks noChangeAspect="1"/>
+          </p:cNvPicPr>
+          <p:nvPr/>
+        </p:nvPicPr>
+        <p:blipFill>
+          <a:blip r:embed="rId3"/>
+          <a:stretch>
+            <a:fillRect/>
+          </a:stretch>
+        </p:blipFill>
+        <p:spPr>
+          <a:xfrm>
+            <a:off x="2987824" y="2924944"/>
+            <a:ext cx="5462660" cy="1656184"/>
+          </a:xfrm>
+          <a:prstGeom prst="rect">
+            <a:avLst/>
+          </a:prstGeom>
+        </p:spPr>
+      </p:pic>
+      <p:sp>
+        <p:nvSpPr>
+          <p:cNvPr id="8" name="Rectangle 7"/>
+          <p:cNvSpPr/>
+          <p:nvPr/>
+        </p:nvSpPr>
+        <p:spPr>
+          <a:xfrm>
+            <a:off x="-36511" y="5332568"/>
+            <a:ext cx="7796819" cy="369332"/>
+          </a:xfrm>
+          <a:prstGeom prst="rect">
+            <a:avLst/>
+          </a:prstGeom>
+        </p:spPr>
+        <p:txBody>
+          <a:bodyPr wrap="square">
+            <a:spAutoFit/>
+          </a:bodyPr>
+          <a:lstStyle/>
+          <a:p>
+            <a:r>
+              <a:rPr lang="en-US" dirty="0"/>
+              <a:t>http://benalexkeen.com/feature-scaling-with-scikit-learn/</a:t>
+            </a:r>
+          </a:p>
+        </p:txBody>
+      </p:sp>
     </p:spTree>
     <p:extLst>
       <p:ext uri="{BB962C8B-B14F-4D97-AF65-F5344CB8AC3E}">
@@ -2358,11 +2430,7 @@
             </a:r>
             <a:r>
               <a:rPr lang="en-US" dirty="0" smtClean="0"/>
-              <a:t>Model</a:t>
-            </a:r>
-            <a:r>
-              <a:rPr lang="en-US" dirty="0" smtClean="0"/>
-              <a:t>…[3]</a:t>
+              <a:t>Model…[3]</a:t>
             </a:r>
             <a:endParaRPr lang="en-US" dirty="0"/>
           </a:p>

--- a/SVR/Report/FRCI USING SVM_II.pptx
+++ b/SVR/Report/FRCI USING SVM_II.pptx
@@ -5,19 +5,21 @@
     <p:sldMasterId id="2147483648" r:id="rId1"/>
   </p:sldMasterIdLst>
   <p:notesMasterIdLst>
-    <p:notesMasterId r:id="rId12"/>
+    <p:notesMasterId r:id="rId14"/>
   </p:notesMasterIdLst>
   <p:sldIdLst>
     <p:sldId id="256" r:id="rId2"/>
-    <p:sldId id="257" r:id="rId3"/>
-    <p:sldId id="258" r:id="rId4"/>
-    <p:sldId id="259" r:id="rId5"/>
-    <p:sldId id="260" r:id="rId6"/>
-    <p:sldId id="261" r:id="rId7"/>
-    <p:sldId id="262" r:id="rId8"/>
-    <p:sldId id="263" r:id="rId9"/>
-    <p:sldId id="264" r:id="rId10"/>
-    <p:sldId id="266" r:id="rId11"/>
+    <p:sldId id="268" r:id="rId3"/>
+    <p:sldId id="267" r:id="rId4"/>
+    <p:sldId id="257" r:id="rId5"/>
+    <p:sldId id="258" r:id="rId6"/>
+    <p:sldId id="259" r:id="rId7"/>
+    <p:sldId id="260" r:id="rId8"/>
+    <p:sldId id="261" r:id="rId9"/>
+    <p:sldId id="262" r:id="rId10"/>
+    <p:sldId id="263" r:id="rId11"/>
+    <p:sldId id="264" r:id="rId12"/>
+    <p:sldId id="266" r:id="rId13"/>
   </p:sldIdLst>
   <p:sldSz cx="9144000" cy="6858000" type="screen4x3"/>
   <p:notesSz cx="6858000" cy="9144000"/>
@@ -229,7 +231,7 @@
           <a:p>
             <a:fld id="{485DB471-B93B-45E3-B23A-C8EFA6773073}" type="datetimeFigureOut">
               <a:rPr lang="id-ID" smtClean="0"/>
-              <a:t>30/11/2018</a:t>
+              <a:t>07/12/2018</a:t>
             </a:fld>
             <a:endParaRPr lang="id-ID"/>
           </a:p>
@@ -1239,6 +1241,297 @@
       </p:grpSpPr>
       <p:sp>
         <p:nvSpPr>
+          <p:cNvPr id="3" name="Title 1"/>
+          <p:cNvSpPr>
+            <a:spLocks noGrp="1"/>
+          </p:cNvSpPr>
+          <p:nvPr>
+            <p:ph type="title"/>
+          </p:nvPr>
+        </p:nvSpPr>
+        <p:spPr>
+          <a:xfrm>
+            <a:off x="179512" y="188640"/>
+            <a:ext cx="8424936" cy="850106"/>
+          </a:xfrm>
+        </p:spPr>
+        <p:txBody>
+          <a:bodyPr/>
+          <a:lstStyle/>
+          <a:p>
+            <a:r>
+              <a:rPr lang="en-US" dirty="0"/>
+              <a:t>Prediction </a:t>
+            </a:r>
+            <a:r>
+              <a:rPr lang="en-US" dirty="0" smtClean="0"/>
+              <a:t>Model…[2]</a:t>
+            </a:r>
+            <a:endParaRPr lang="en-US" dirty="0"/>
+          </a:p>
+        </p:txBody>
+      </p:sp>
+      <p:pic>
+        <p:nvPicPr>
+          <p:cNvPr id="4" name="Picture 3"/>
+          <p:cNvPicPr>
+            <a:picLocks noChangeAspect="1"/>
+          </p:cNvPicPr>
+          <p:nvPr/>
+        </p:nvPicPr>
+        <p:blipFill>
+          <a:blip r:embed="rId2">
+            <a:extLst>
+              <a:ext uri="{28A0092B-C50C-407E-A947-70E740481C1C}">
+                <a14:useLocalDpi xmlns:a14="http://schemas.microsoft.com/office/drawing/2010/main" val="0"/>
+              </a:ext>
+            </a:extLst>
+          </a:blip>
+          <a:stretch>
+            <a:fillRect/>
+          </a:stretch>
+        </p:blipFill>
+        <p:spPr>
+          <a:xfrm>
+            <a:off x="0" y="2060848"/>
+            <a:ext cx="4536504" cy="3591629"/>
+          </a:xfrm>
+          <a:prstGeom prst="rect">
+            <a:avLst/>
+          </a:prstGeom>
+        </p:spPr>
+      </p:pic>
+      <p:pic>
+        <p:nvPicPr>
+          <p:cNvPr id="5" name="Picture 4"/>
+          <p:cNvPicPr>
+            <a:picLocks noChangeAspect="1"/>
+          </p:cNvPicPr>
+          <p:nvPr/>
+        </p:nvPicPr>
+        <p:blipFill>
+          <a:blip r:embed="rId3">
+            <a:extLst>
+              <a:ext uri="{28A0092B-C50C-407E-A947-70E740481C1C}">
+                <a14:useLocalDpi xmlns:a14="http://schemas.microsoft.com/office/drawing/2010/main" val="0"/>
+              </a:ext>
+            </a:extLst>
+          </a:blip>
+          <a:stretch>
+            <a:fillRect/>
+          </a:stretch>
+        </p:blipFill>
+        <p:spPr>
+          <a:xfrm>
+            <a:off x="4355976" y="2060848"/>
+            <a:ext cx="4505234" cy="3566872"/>
+          </a:xfrm>
+          <a:prstGeom prst="rect">
+            <a:avLst/>
+          </a:prstGeom>
+        </p:spPr>
+      </p:pic>
+      <p:sp>
+        <p:nvSpPr>
+          <p:cNvPr id="6" name="Rectangle 5"/>
+          <p:cNvSpPr/>
+          <p:nvPr/>
+        </p:nvSpPr>
+        <p:spPr>
+          <a:xfrm>
+            <a:off x="317077" y="1255393"/>
+            <a:ext cx="1951175" cy="646331"/>
+          </a:xfrm>
+          <a:prstGeom prst="rect">
+            <a:avLst/>
+          </a:prstGeom>
+        </p:spPr>
+        <p:txBody>
+          <a:bodyPr wrap="none">
+            <a:spAutoFit/>
+          </a:bodyPr>
+          <a:lstStyle/>
+          <a:p>
+            <a:r>
+              <a:rPr lang="en-US" dirty="0" smtClean="0"/>
+              <a:t>SVM</a:t>
+            </a:r>
+          </a:p>
+          <a:p>
+            <a:r>
+              <a:rPr lang="en-US" dirty="0" smtClean="0"/>
+              <a:t>RMSE :0.00645505</a:t>
+            </a:r>
+            <a:endParaRPr lang="en-US" dirty="0"/>
+          </a:p>
+        </p:txBody>
+      </p:sp>
+    </p:spTree>
+    <p:extLst>
+      <p:ext uri="{BB962C8B-B14F-4D97-AF65-F5344CB8AC3E}">
+        <p14:creationId xmlns:p14="http://schemas.microsoft.com/office/powerpoint/2010/main" val="295928750"/>
+      </p:ext>
+    </p:extLst>
+  </p:cSld>
+  <p:clrMapOvr>
+    <a:masterClrMapping/>
+  </p:clrMapOvr>
+  <p:timing>
+    <p:tnLst>
+      <p:par>
+        <p:cTn id="1" dur="indefinite" restart="never" nodeType="tmRoot"/>
+      </p:par>
+    </p:tnLst>
+  </p:timing>
+</p:sld>
+</file>
+
+<file path=ppt/slides/slide11.xml><?xml version="1.0" encoding="utf-8"?>
+<p:sld xmlns:a="http://schemas.openxmlformats.org/drawingml/2006/main" xmlns:r="http://schemas.openxmlformats.org/officeDocument/2006/relationships" xmlns:p="http://schemas.openxmlformats.org/presentationml/2006/main">
+  <p:cSld>
+    <p:spTree>
+      <p:nvGrpSpPr>
+        <p:cNvPr id="1" name=""/>
+        <p:cNvGrpSpPr/>
+        <p:nvPr/>
+      </p:nvGrpSpPr>
+      <p:grpSpPr>
+        <a:xfrm>
+          <a:off x="0" y="0"/>
+          <a:ext cx="0" cy="0"/>
+          <a:chOff x="0" y="0"/>
+          <a:chExt cx="0" cy="0"/>
+        </a:xfrm>
+      </p:grpSpPr>
+      <p:sp>
+        <p:nvSpPr>
+          <p:cNvPr id="3" name="Title 1"/>
+          <p:cNvSpPr>
+            <a:spLocks noGrp="1"/>
+          </p:cNvSpPr>
+          <p:nvPr>
+            <p:ph type="title"/>
+          </p:nvPr>
+        </p:nvSpPr>
+        <p:spPr>
+          <a:xfrm>
+            <a:off x="179512" y="188640"/>
+            <a:ext cx="8424936" cy="850106"/>
+          </a:xfrm>
+        </p:spPr>
+        <p:txBody>
+          <a:bodyPr/>
+          <a:lstStyle/>
+          <a:p>
+            <a:r>
+              <a:rPr lang="en-US" dirty="0"/>
+              <a:t>Prediction </a:t>
+            </a:r>
+            <a:r>
+              <a:rPr lang="en-US" dirty="0" smtClean="0"/>
+              <a:t>Model…[3]</a:t>
+            </a:r>
+            <a:endParaRPr lang="en-US" dirty="0"/>
+          </a:p>
+        </p:txBody>
+      </p:sp>
+      <p:sp>
+        <p:nvSpPr>
+          <p:cNvPr id="4" name="Rectangle 3"/>
+          <p:cNvSpPr/>
+          <p:nvPr/>
+        </p:nvSpPr>
+        <p:spPr>
+          <a:xfrm>
+            <a:off x="317077" y="1255393"/>
+            <a:ext cx="1834156" cy="646331"/>
+          </a:xfrm>
+          <a:prstGeom prst="rect">
+            <a:avLst/>
+          </a:prstGeom>
+        </p:spPr>
+        <p:txBody>
+          <a:bodyPr wrap="none">
+            <a:spAutoFit/>
+          </a:bodyPr>
+          <a:lstStyle/>
+          <a:p>
+            <a:r>
+              <a:rPr lang="en-US" dirty="0" smtClean="0"/>
+              <a:t>SVM</a:t>
+            </a:r>
+          </a:p>
+          <a:p>
+            <a:r>
+              <a:rPr lang="en-US" dirty="0"/>
+              <a:t>RMSE :0.1188936</a:t>
+            </a:r>
+          </a:p>
+        </p:txBody>
+      </p:sp>
+      <p:pic>
+        <p:nvPicPr>
+          <p:cNvPr id="5" name="Picture 4"/>
+          <p:cNvPicPr>
+            <a:picLocks noChangeAspect="1"/>
+          </p:cNvPicPr>
+          <p:nvPr/>
+        </p:nvPicPr>
+        <p:blipFill>
+          <a:blip r:embed="rId2"/>
+          <a:stretch>
+            <a:fillRect/>
+          </a:stretch>
+        </p:blipFill>
+        <p:spPr>
+          <a:xfrm>
+            <a:off x="317077" y="2169806"/>
+            <a:ext cx="6057900" cy="2219325"/>
+          </a:xfrm>
+          <a:prstGeom prst="rect">
+            <a:avLst/>
+          </a:prstGeom>
+        </p:spPr>
+      </p:pic>
+    </p:spTree>
+    <p:extLst>
+      <p:ext uri="{BB962C8B-B14F-4D97-AF65-F5344CB8AC3E}">
+        <p14:creationId xmlns:p14="http://schemas.microsoft.com/office/powerpoint/2010/main" val="3182363783"/>
+      </p:ext>
+    </p:extLst>
+  </p:cSld>
+  <p:clrMapOvr>
+    <a:masterClrMapping/>
+  </p:clrMapOvr>
+  <p:timing>
+    <p:tnLst>
+      <p:par>
+        <p:cTn id="1" dur="indefinite" restart="never" nodeType="tmRoot"/>
+      </p:par>
+    </p:tnLst>
+  </p:timing>
+</p:sld>
+</file>
+
+<file path=ppt/slides/slide12.xml><?xml version="1.0" encoding="utf-8"?>
+<p:sld xmlns:a="http://schemas.openxmlformats.org/drawingml/2006/main" xmlns:r="http://schemas.openxmlformats.org/officeDocument/2006/relationships" xmlns:p="http://schemas.openxmlformats.org/presentationml/2006/main">
+  <p:cSld>
+    <p:spTree>
+      <p:nvGrpSpPr>
+        <p:cNvPr id="1" name=""/>
+        <p:cNvGrpSpPr/>
+        <p:nvPr/>
+      </p:nvGrpSpPr>
+      <p:grpSpPr>
+        <a:xfrm>
+          <a:off x="0" y="0"/>
+          <a:ext cx="0" cy="0"/>
+          <a:chOff x="0" y="0"/>
+          <a:chExt cx="0" cy="0"/>
+        </a:xfrm>
+      </p:grpSpPr>
+      <p:sp>
+        <p:nvSpPr>
           <p:cNvPr id="2" name="Title 1"/>
           <p:cNvSpPr>
             <a:spLocks noGrp="1"/>
@@ -1331,30 +1624,6 @@
           <a:chExt cx="0" cy="0"/>
         </a:xfrm>
       </p:grpSpPr>
-      <p:pic>
-        <p:nvPicPr>
-          <p:cNvPr id="3" name="Picture 2"/>
-          <p:cNvPicPr>
-            <a:picLocks noChangeAspect="1"/>
-          </p:cNvPicPr>
-          <p:nvPr/>
-        </p:nvPicPr>
-        <p:blipFill>
-          <a:blip r:embed="rId2"/>
-          <a:stretch>
-            <a:fillRect/>
-          </a:stretch>
-        </p:blipFill>
-        <p:spPr>
-          <a:xfrm>
-            <a:off x="0" y="1412776"/>
-            <a:ext cx="9144000" cy="4137757"/>
-          </a:xfrm>
-          <a:prstGeom prst="rect">
-            <a:avLst/>
-          </a:prstGeom>
-        </p:spPr>
-      </p:pic>
       <p:sp>
         <p:nvSpPr>
           <p:cNvPr id="4" name="TextBox 3"/>
@@ -1379,54 +1648,16 @@
           <a:p>
             <a:r>
               <a:rPr lang="en-US" sz="2800" b="1" dirty="0" smtClean="0"/>
-              <a:t>Support Vector Machine:</a:t>
+              <a:t>Decision Tree:</a:t>
             </a:r>
             <a:endParaRPr lang="en-US" sz="2800" b="1" dirty="0"/>
-          </a:p>
-        </p:txBody>
-      </p:sp>
-      <p:sp>
-        <p:nvSpPr>
-          <p:cNvPr id="5" name="TextBox 4"/>
-          <p:cNvSpPr txBox="1"/>
-          <p:nvPr/>
-        </p:nvSpPr>
-        <p:spPr>
-          <a:xfrm>
-            <a:off x="323528" y="1052736"/>
-            <a:ext cx="2736304" cy="461665"/>
-          </a:xfrm>
-          <a:prstGeom prst="rect">
-            <a:avLst/>
-          </a:prstGeom>
-          <a:noFill/>
-        </p:spPr>
-        <p:txBody>
-          <a:bodyPr wrap="square" rtlCol="0">
-            <a:spAutoFit/>
-          </a:bodyPr>
-          <a:lstStyle/>
-          <a:p>
-            <a:r>
-              <a:rPr lang="en-US" sz="2400" b="1" dirty="0" smtClean="0">
-                <a:solidFill>
-                  <a:srgbClr val="00B050"/>
-                </a:solidFill>
-              </a:rPr>
-              <a:t>Classification</a:t>
-            </a:r>
-            <a:endParaRPr lang="en-US" sz="2400" b="1" dirty="0">
-              <a:solidFill>
-                <a:srgbClr val="00B050"/>
-              </a:solidFill>
-            </a:endParaRPr>
           </a:p>
         </p:txBody>
       </p:sp>
     </p:spTree>
     <p:extLst>
       <p:ext uri="{BB962C8B-B14F-4D97-AF65-F5344CB8AC3E}">
-        <p14:creationId xmlns:p14="http://schemas.microsoft.com/office/powerpoint/2010/main" val="294331788"/>
+        <p14:creationId xmlns:p14="http://schemas.microsoft.com/office/powerpoint/2010/main" val="872066690"/>
       </p:ext>
     </p:extLst>
   </p:cSld>
@@ -1460,9 +1691,77 @@
           <a:chExt cx="0" cy="0"/>
         </a:xfrm>
       </p:grpSpPr>
+      <p:sp>
+        <p:nvSpPr>
+          <p:cNvPr id="4" name="TextBox 3"/>
+          <p:cNvSpPr txBox="1"/>
+          <p:nvPr/>
+        </p:nvSpPr>
+        <p:spPr>
+          <a:xfrm>
+            <a:off x="323528" y="188640"/>
+            <a:ext cx="5040560" cy="523220"/>
+          </a:xfrm>
+          <a:prstGeom prst="rect">
+            <a:avLst/>
+          </a:prstGeom>
+          <a:noFill/>
+        </p:spPr>
+        <p:txBody>
+          <a:bodyPr wrap="square" rtlCol="0">
+            <a:spAutoFit/>
+          </a:bodyPr>
+          <a:lstStyle/>
+          <a:p>
+            <a:r>
+              <a:rPr lang="en-US" sz="2800" b="1" dirty="0" smtClean="0"/>
+              <a:t>Random Forest Regression:</a:t>
+            </a:r>
+            <a:endParaRPr lang="en-US" sz="2800" b="1" dirty="0"/>
+          </a:p>
+        </p:txBody>
+      </p:sp>
+      <p:sp>
+        <p:nvSpPr>
+          <p:cNvPr id="5" name="TextBox 4"/>
+          <p:cNvSpPr txBox="1"/>
+          <p:nvPr/>
+        </p:nvSpPr>
+        <p:spPr>
+          <a:xfrm>
+            <a:off x="323528" y="980728"/>
+            <a:ext cx="2736304" cy="461665"/>
+          </a:xfrm>
+          <a:prstGeom prst="rect">
+            <a:avLst/>
+          </a:prstGeom>
+          <a:noFill/>
+        </p:spPr>
+        <p:txBody>
+          <a:bodyPr wrap="square" rtlCol="0">
+            <a:spAutoFit/>
+          </a:bodyPr>
+          <a:lstStyle/>
+          <a:p>
+            <a:r>
+              <a:rPr lang="en-US" sz="2400" b="1" dirty="0" smtClean="0">
+                <a:solidFill>
+                  <a:srgbClr val="00B050"/>
+                </a:solidFill>
+              </a:rPr>
+              <a:t>Regression</a:t>
+            </a:r>
+            <a:endParaRPr lang="en-US" sz="2400" b="1" dirty="0">
+              <a:solidFill>
+                <a:srgbClr val="00B050"/>
+              </a:solidFill>
+            </a:endParaRPr>
+          </a:p>
+        </p:txBody>
+      </p:sp>
       <p:pic>
         <p:nvPicPr>
-          <p:cNvPr id="3" name="Picture 2"/>
+          <p:cNvPr id="8" name="Picture 7"/>
           <p:cNvPicPr>
             <a:picLocks noChangeAspect="1"/>
           </p:cNvPicPr>
@@ -1476,109 +1775,42 @@
         </p:blipFill>
         <p:spPr>
           <a:xfrm>
-            <a:off x="179512" y="2204864"/>
-            <a:ext cx="3933133" cy="3528392"/>
+            <a:off x="35496" y="1628799"/>
+            <a:ext cx="5976664" cy="3398317"/>
           </a:xfrm>
           <a:prstGeom prst="rect">
             <a:avLst/>
           </a:prstGeom>
         </p:spPr>
       </p:pic>
-      <p:sp>
-        <p:nvSpPr>
-          <p:cNvPr id="4" name="TextBox 3"/>
-          <p:cNvSpPr txBox="1"/>
-          <p:nvPr/>
-        </p:nvSpPr>
-        <p:spPr>
-          <a:xfrm>
-            <a:off x="2915816" y="836712"/>
-            <a:ext cx="3384376" cy="523220"/>
-          </a:xfrm>
-          <a:prstGeom prst="rect">
-            <a:avLst/>
-          </a:prstGeom>
-          <a:noFill/>
-        </p:spPr>
-        <p:txBody>
-          <a:bodyPr wrap="square" rtlCol="0">
-            <a:spAutoFit/>
-          </a:bodyPr>
-          <a:lstStyle/>
-          <a:p>
-            <a:r>
-              <a:rPr lang="en-US" sz="2800" b="1" dirty="0" smtClean="0"/>
-              <a:t>Linear Vs Non-Linear </a:t>
-            </a:r>
-            <a:endParaRPr lang="en-US" sz="2800" b="1" dirty="0"/>
-          </a:p>
-        </p:txBody>
-      </p:sp>
       <p:pic>
         <p:nvPicPr>
-          <p:cNvPr id="5" name="Picture 4"/>
+          <p:cNvPr id="9" name="Picture 8"/>
           <p:cNvPicPr>
             <a:picLocks noChangeAspect="1"/>
           </p:cNvPicPr>
           <p:nvPr/>
         </p:nvPicPr>
-        <p:blipFill rotWithShape="1">
+        <p:blipFill>
           <a:blip r:embed="rId3"/>
-          <a:srcRect t="31100"/>
-          <a:stretch/>
+          <a:stretch>
+            <a:fillRect/>
+          </a:stretch>
         </p:blipFill>
         <p:spPr>
           <a:xfrm>
-            <a:off x="4716016" y="1916832"/>
-            <a:ext cx="3886299" cy="3558738"/>
+            <a:off x="2771800" y="1772816"/>
+            <a:ext cx="6336704" cy="3917441"/>
           </a:xfrm>
           <a:prstGeom prst="rect">
             <a:avLst/>
           </a:prstGeom>
         </p:spPr>
       </p:pic>
-      <p:sp>
-        <p:nvSpPr>
-          <p:cNvPr id="6" name="TextBox 5"/>
-          <p:cNvSpPr txBox="1"/>
-          <p:nvPr/>
-        </p:nvSpPr>
-        <p:spPr>
-          <a:xfrm>
-            <a:off x="179512" y="407736"/>
-            <a:ext cx="1656184" cy="461665"/>
-          </a:xfrm>
-          <a:prstGeom prst="rect">
-            <a:avLst/>
-          </a:prstGeom>
-          <a:noFill/>
-        </p:spPr>
-        <p:txBody>
-          <a:bodyPr wrap="square" rtlCol="0">
-            <a:spAutoFit/>
-          </a:bodyPr>
-          <a:lstStyle/>
-          <a:p>
-            <a:r>
-              <a:rPr lang="en-US" sz="2400" b="1" dirty="0" smtClean="0">
-                <a:solidFill>
-                  <a:srgbClr val="00B050"/>
-                </a:solidFill>
-              </a:rPr>
-              <a:t>Regression</a:t>
-            </a:r>
-            <a:endParaRPr lang="en-US" sz="2400" b="1" dirty="0">
-              <a:solidFill>
-                <a:srgbClr val="00B050"/>
-              </a:solidFill>
-            </a:endParaRPr>
-          </a:p>
-        </p:txBody>
-      </p:sp>
     </p:spTree>
     <p:extLst>
       <p:ext uri="{BB962C8B-B14F-4D97-AF65-F5344CB8AC3E}">
-        <p14:creationId xmlns:p14="http://schemas.microsoft.com/office/powerpoint/2010/main" val="2263446752"/>
+        <p14:creationId xmlns:p14="http://schemas.microsoft.com/office/powerpoint/2010/main" val="3921336645"/>
       </p:ext>
     </p:extLst>
   </p:cSld>
@@ -1588,7 +1820,136 @@
   <p:timing>
     <p:tnLst>
       <p:par>
-        <p:cTn id="1" dur="indefinite" restart="never" nodeType="tmRoot"/>
+        <p:cTn id="1" dur="indefinite" restart="never" nodeType="tmRoot">
+          <p:childTnLst>
+            <p:seq concurrent="1" nextAc="seek">
+              <p:cTn id="2" dur="indefinite" nodeType="mainSeq">
+                <p:childTnLst>
+                  <p:par>
+                    <p:cTn id="3" fill="hold">
+                      <p:stCondLst>
+                        <p:cond delay="indefinite"/>
+                      </p:stCondLst>
+                      <p:childTnLst>
+                        <p:par>
+                          <p:cTn id="4" fill="hold">
+                            <p:stCondLst>
+                              <p:cond delay="0"/>
+                            </p:stCondLst>
+                            <p:childTnLst>
+                              <p:par>
+                                <p:cTn id="5" presetID="22" presetClass="entr" presetSubtype="4" fill="hold" nodeType="clickEffect">
+                                  <p:stCondLst>
+                                    <p:cond delay="0"/>
+                                  </p:stCondLst>
+                                  <p:childTnLst>
+                                    <p:set>
+                                      <p:cBhvr>
+                                        <p:cTn id="6" dur="1" fill="hold">
+                                          <p:stCondLst>
+                                            <p:cond delay="0"/>
+                                          </p:stCondLst>
+                                        </p:cTn>
+                                        <p:tgtEl>
+                                          <p:spTgt spid="8"/>
+                                        </p:tgtEl>
+                                        <p:attrNameLst>
+                                          <p:attrName>style.visibility</p:attrName>
+                                        </p:attrNameLst>
+                                      </p:cBhvr>
+                                      <p:to>
+                                        <p:strVal val="visible"/>
+                                      </p:to>
+                                    </p:set>
+                                    <p:animEffect transition="in" filter="wipe(down)">
+                                      <p:cBhvr>
+                                        <p:cTn id="7" dur="500"/>
+                                        <p:tgtEl>
+                                          <p:spTgt spid="8"/>
+                                        </p:tgtEl>
+                                      </p:cBhvr>
+                                    </p:animEffect>
+                                  </p:childTnLst>
+                                </p:cTn>
+                              </p:par>
+                            </p:childTnLst>
+                          </p:cTn>
+                        </p:par>
+                      </p:childTnLst>
+                    </p:cTn>
+                  </p:par>
+                  <p:par>
+                    <p:cTn id="8" fill="hold">
+                      <p:stCondLst>
+                        <p:cond delay="indefinite"/>
+                      </p:stCondLst>
+                      <p:childTnLst>
+                        <p:par>
+                          <p:cTn id="9" fill="hold">
+                            <p:stCondLst>
+                              <p:cond delay="0"/>
+                            </p:stCondLst>
+                            <p:childTnLst>
+                              <p:par>
+                                <p:cTn id="10" presetID="22" presetClass="entr" presetSubtype="4" fill="hold" nodeType="clickEffect">
+                                  <p:stCondLst>
+                                    <p:cond delay="0"/>
+                                  </p:stCondLst>
+                                  <p:childTnLst>
+                                    <p:set>
+                                      <p:cBhvr>
+                                        <p:cTn id="11" dur="1" fill="hold">
+                                          <p:stCondLst>
+                                            <p:cond delay="0"/>
+                                          </p:stCondLst>
+                                        </p:cTn>
+                                        <p:tgtEl>
+                                          <p:spTgt spid="9"/>
+                                        </p:tgtEl>
+                                        <p:attrNameLst>
+                                          <p:attrName>style.visibility</p:attrName>
+                                        </p:attrNameLst>
+                                      </p:cBhvr>
+                                      <p:to>
+                                        <p:strVal val="visible"/>
+                                      </p:to>
+                                    </p:set>
+                                    <p:animEffect transition="in" filter="wipe(down)">
+                                      <p:cBhvr>
+                                        <p:cTn id="12" dur="500"/>
+                                        <p:tgtEl>
+                                          <p:spTgt spid="9"/>
+                                        </p:tgtEl>
+                                      </p:cBhvr>
+                                    </p:animEffect>
+                                  </p:childTnLst>
+                                </p:cTn>
+                              </p:par>
+                            </p:childTnLst>
+                          </p:cTn>
+                        </p:par>
+                      </p:childTnLst>
+                    </p:cTn>
+                  </p:par>
+                </p:childTnLst>
+              </p:cTn>
+              <p:prevCondLst>
+                <p:cond evt="onPrev" delay="0">
+                  <p:tgtEl>
+                    <p:sldTgt/>
+                  </p:tgtEl>
+                </p:cond>
+              </p:prevCondLst>
+              <p:nextCondLst>
+                <p:cond evt="onNext" delay="0">
+                  <p:tgtEl>
+                    <p:sldTgt/>
+                  </p:tgtEl>
+                </p:cond>
+              </p:nextCondLst>
+            </p:seq>
+          </p:childTnLst>
+        </p:cTn>
       </p:par>
     </p:tnLst>
   </p:timing>
@@ -1612,47 +1973,40 @@
           <a:chExt cx="0" cy="0"/>
         </a:xfrm>
       </p:grpSpPr>
+      <p:pic>
+        <p:nvPicPr>
+          <p:cNvPr id="3" name="Picture 2"/>
+          <p:cNvPicPr>
+            <a:picLocks noChangeAspect="1"/>
+          </p:cNvPicPr>
+          <p:nvPr/>
+        </p:nvPicPr>
+        <p:blipFill>
+          <a:blip r:embed="rId2"/>
+          <a:stretch>
+            <a:fillRect/>
+          </a:stretch>
+        </p:blipFill>
+        <p:spPr>
+          <a:xfrm>
+            <a:off x="0" y="1412776"/>
+            <a:ext cx="9144000" cy="4137757"/>
+          </a:xfrm>
+          <a:prstGeom prst="rect">
+            <a:avLst/>
+          </a:prstGeom>
+        </p:spPr>
+      </p:pic>
       <p:sp>
         <p:nvSpPr>
-          <p:cNvPr id="2" name="Title 1"/>
-          <p:cNvSpPr>
-            <a:spLocks noGrp="1"/>
-          </p:cNvSpPr>
-          <p:nvPr>
-            <p:ph type="title"/>
-          </p:nvPr>
-        </p:nvSpPr>
-        <p:spPr/>
-        <p:txBody>
-          <a:bodyPr/>
-          <a:lstStyle/>
-          <a:p>
-            <a:r>
-              <a:rPr lang="en-US" dirty="0" smtClean="0"/>
-              <a:t>FRCI on Agroforestry (</a:t>
-            </a:r>
-            <a:r>
-              <a:rPr lang="en-US" dirty="0" err="1" smtClean="0"/>
-              <a:t>Cidanau</a:t>
-            </a:r>
-            <a:r>
-              <a:rPr lang="en-US" dirty="0" smtClean="0"/>
-              <a:t>)</a:t>
-            </a:r>
-            <a:endParaRPr lang="en-US" dirty="0"/>
-          </a:p>
-        </p:txBody>
-      </p:sp>
-      <p:sp>
-        <p:nvSpPr>
-          <p:cNvPr id="3" name="TextBox 2"/>
+          <p:cNvPr id="4" name="TextBox 3"/>
           <p:cNvSpPr txBox="1"/>
           <p:nvPr/>
         </p:nvSpPr>
         <p:spPr>
           <a:xfrm>
-            <a:off x="395536" y="1556792"/>
-            <a:ext cx="7848872" cy="2677656"/>
+            <a:off x="323528" y="188640"/>
+            <a:ext cx="5040560" cy="523220"/>
           </a:xfrm>
           <a:prstGeom prst="rect">
             <a:avLst/>
@@ -1665,87 +2019,56 @@
           </a:bodyPr>
           <a:lstStyle/>
           <a:p>
-            <a:pPr marL="285750" indent="-285750">
-              <a:buFont typeface="Wingdings" panose="05000000000000000000" pitchFamily="2" charset="2"/>
-              <a:buChar char="v"/>
-            </a:pPr>
-            <a:r>
-              <a:rPr lang="en-US" sz="2400" dirty="0" smtClean="0"/>
-              <a:t>FRCI calculated using LiDAR data</a:t>
-            </a:r>
-          </a:p>
-          <a:p>
-            <a:pPr marL="285750" indent="-285750">
-              <a:buFont typeface="Wingdings" panose="05000000000000000000" pitchFamily="2" charset="2"/>
-              <a:buChar char="v"/>
-            </a:pPr>
-            <a:r>
-              <a:rPr lang="en-US" sz="2400" dirty="0" smtClean="0"/>
-              <a:t>300 Sample data</a:t>
-            </a:r>
-          </a:p>
-          <a:p>
-            <a:pPr marL="285750" indent="-285750">
-              <a:buFont typeface="Wingdings" panose="05000000000000000000" pitchFamily="2" charset="2"/>
-              <a:buChar char="v"/>
-            </a:pPr>
-            <a:r>
-              <a:rPr lang="en-US" sz="2400" dirty="0"/>
-              <a:t>Divide Data (Training and testing data</a:t>
-            </a:r>
-            <a:r>
-              <a:rPr lang="en-US" sz="2400" dirty="0" smtClean="0"/>
-              <a:t>)</a:t>
-            </a:r>
-          </a:p>
-          <a:p>
-            <a:pPr marL="285750" indent="-285750">
-              <a:buFont typeface="Wingdings" panose="05000000000000000000" pitchFamily="2" charset="2"/>
-              <a:buChar char="v"/>
-            </a:pPr>
-            <a:r>
-              <a:rPr lang="en-US" sz="2400" dirty="0" err="1" smtClean="0"/>
-              <a:t>Normalisasi</a:t>
-            </a:r>
-            <a:r>
-              <a:rPr lang="en-US" sz="2400" dirty="0" smtClean="0"/>
-              <a:t> Data (Feature Scaling)</a:t>
-            </a:r>
-            <a:endParaRPr lang="en-US" sz="2400" dirty="0" smtClean="0"/>
-          </a:p>
-          <a:p>
-            <a:pPr marL="285750" indent="-285750">
-              <a:buFont typeface="Wingdings" panose="05000000000000000000" pitchFamily="2" charset="2"/>
-              <a:buChar char="v"/>
-            </a:pPr>
-            <a:r>
-              <a:rPr lang="en-US" sz="2400" dirty="0" smtClean="0"/>
-              <a:t>K-fold cross validation</a:t>
-            </a:r>
-          </a:p>
-          <a:p>
-            <a:pPr marL="285750" indent="-285750">
-              <a:buFont typeface="Wingdings" panose="05000000000000000000" pitchFamily="2" charset="2"/>
-              <a:buChar char="v"/>
-            </a:pPr>
-            <a:r>
-              <a:rPr lang="en-US" sz="2400" dirty="0" smtClean="0"/>
-              <a:t>Model predicted using SVR (Support Vector Regression)</a:t>
-            </a:r>
-          </a:p>
-          <a:p>
-            <a:pPr marL="285750" indent="-285750">
-              <a:buFont typeface="Wingdings" panose="05000000000000000000" pitchFamily="2" charset="2"/>
-              <a:buChar char="v"/>
-            </a:pPr>
-            <a:endParaRPr lang="en-US" sz="2400" dirty="0"/>
+            <a:r>
+              <a:rPr lang="en-US" sz="2800" b="1" dirty="0" smtClean="0"/>
+              <a:t>Support Vector Machine:</a:t>
+            </a:r>
+            <a:endParaRPr lang="en-US" sz="2800" b="1" dirty="0"/>
+          </a:p>
+        </p:txBody>
+      </p:sp>
+      <p:sp>
+        <p:nvSpPr>
+          <p:cNvPr id="5" name="TextBox 4"/>
+          <p:cNvSpPr txBox="1"/>
+          <p:nvPr/>
+        </p:nvSpPr>
+        <p:spPr>
+          <a:xfrm>
+            <a:off x="323528" y="1052736"/>
+            <a:ext cx="2736304" cy="461665"/>
+          </a:xfrm>
+          <a:prstGeom prst="rect">
+            <a:avLst/>
+          </a:prstGeom>
+          <a:noFill/>
+        </p:spPr>
+        <p:txBody>
+          <a:bodyPr wrap="square" rtlCol="0">
+            <a:spAutoFit/>
+          </a:bodyPr>
+          <a:lstStyle/>
+          <a:p>
+            <a:r>
+              <a:rPr lang="en-US" sz="2400" b="1" dirty="0" smtClean="0">
+                <a:solidFill>
+                  <a:srgbClr val="00B050"/>
+                </a:solidFill>
+              </a:rPr>
+              <a:t>Classification</a:t>
+            </a:r>
+            <a:endParaRPr lang="en-US" sz="2400" b="1" dirty="0">
+              <a:solidFill>
+                <a:srgbClr val="00B050"/>
+              </a:solidFill>
+            </a:endParaRPr>
           </a:p>
         </p:txBody>
       </p:sp>
     </p:spTree>
     <p:extLst>
       <p:ext uri="{BB962C8B-B14F-4D97-AF65-F5344CB8AC3E}">
-        <p14:creationId xmlns:p14="http://schemas.microsoft.com/office/powerpoint/2010/main" val="1063735780"/>
+        <p14:creationId xmlns:p14="http://schemas.microsoft.com/office/powerpoint/2010/main" val="294331788"/>
       </p:ext>
     </p:extLst>
   </p:cSld>
@@ -1779,79 +2102,9 @@
           <a:chExt cx="0" cy="0"/>
         </a:xfrm>
       </p:grpSpPr>
-      <p:sp>
-        <p:nvSpPr>
-          <p:cNvPr id="4" name="Rectangle 3"/>
-          <p:cNvSpPr/>
-          <p:nvPr/>
-        </p:nvSpPr>
-        <p:spPr>
-          <a:xfrm>
-            <a:off x="248509" y="332656"/>
-            <a:ext cx="3782254" cy="369332"/>
-          </a:xfrm>
-          <a:prstGeom prst="rect">
-            <a:avLst/>
-          </a:prstGeom>
-        </p:spPr>
-        <p:txBody>
-          <a:bodyPr wrap="none">
-            <a:spAutoFit/>
-          </a:bodyPr>
-          <a:lstStyle/>
-          <a:p>
-            <a:r>
-              <a:rPr lang="en-US" b="1" dirty="0" err="1" smtClean="0"/>
-              <a:t>Normalisasi</a:t>
-            </a:r>
-            <a:r>
-              <a:rPr lang="en-US" b="1" dirty="0" smtClean="0"/>
-              <a:t> Data with </a:t>
-            </a:r>
-            <a:r>
-              <a:rPr lang="en-US" b="1" dirty="0" err="1" smtClean="0"/>
-              <a:t>StandardScaler</a:t>
-            </a:r>
-            <a:endParaRPr lang="en-US" b="1" dirty="0"/>
-          </a:p>
-        </p:txBody>
-      </p:sp>
-      <p:sp>
-        <p:nvSpPr>
-          <p:cNvPr id="5" name="Rectangle 4"/>
-          <p:cNvSpPr/>
-          <p:nvPr/>
-        </p:nvSpPr>
-        <p:spPr>
-          <a:xfrm>
-            <a:off x="-36511" y="5589240"/>
-            <a:ext cx="8932002" cy="369332"/>
-          </a:xfrm>
-          <a:prstGeom prst="rect">
-            <a:avLst/>
-          </a:prstGeom>
-        </p:spPr>
-        <p:txBody>
-          <a:bodyPr wrap="square">
-            <a:spAutoFit/>
-          </a:bodyPr>
-          <a:lstStyle/>
-          <a:p>
-            <a:r>
-              <a:rPr lang="en-US" dirty="0"/>
-              <a:t>https://</a:t>
-            </a:r>
-            <a:r>
-              <a:rPr lang="en-US" dirty="0" smtClean="0"/>
-              <a:t>scikit-learn.org/stable/modules/generated/sklearn.preprocessing.StandardScaler.html</a:t>
-            </a:r>
-            <a:endParaRPr lang="en-US" dirty="0"/>
-          </a:p>
-        </p:txBody>
-      </p:sp>
       <p:pic>
         <p:nvPicPr>
-          <p:cNvPr id="6" name="Picture 5"/>
+          <p:cNvPr id="3" name="Picture 2"/>
           <p:cNvPicPr>
             <a:picLocks noChangeAspect="1"/>
           </p:cNvPicPr>
@@ -1865,32 +2118,61 @@
         </p:blipFill>
         <p:spPr>
           <a:xfrm>
-            <a:off x="899592" y="1093387"/>
-            <a:ext cx="5525641" cy="1728192"/>
+            <a:off x="179512" y="2204864"/>
+            <a:ext cx="3933133" cy="3528392"/>
           </a:xfrm>
           <a:prstGeom prst="rect">
             <a:avLst/>
           </a:prstGeom>
         </p:spPr>
       </p:pic>
+      <p:sp>
+        <p:nvSpPr>
+          <p:cNvPr id="4" name="TextBox 3"/>
+          <p:cNvSpPr txBox="1"/>
+          <p:nvPr/>
+        </p:nvSpPr>
+        <p:spPr>
+          <a:xfrm>
+            <a:off x="2915816" y="836712"/>
+            <a:ext cx="3384376" cy="523220"/>
+          </a:xfrm>
+          <a:prstGeom prst="rect">
+            <a:avLst/>
+          </a:prstGeom>
+          <a:noFill/>
+        </p:spPr>
+        <p:txBody>
+          <a:bodyPr wrap="square" rtlCol="0">
+            <a:spAutoFit/>
+          </a:bodyPr>
+          <a:lstStyle/>
+          <a:p>
+            <a:r>
+              <a:rPr lang="en-US" sz="2800" b="1" dirty="0" smtClean="0"/>
+              <a:t>Linear Vs Non-Linear </a:t>
+            </a:r>
+            <a:endParaRPr lang="en-US" sz="2800" b="1" dirty="0"/>
+          </a:p>
+        </p:txBody>
+      </p:sp>
       <p:pic>
         <p:nvPicPr>
-          <p:cNvPr id="7" name="Picture 6"/>
+          <p:cNvPr id="5" name="Picture 4"/>
           <p:cNvPicPr>
             <a:picLocks noChangeAspect="1"/>
           </p:cNvPicPr>
           <p:nvPr/>
         </p:nvPicPr>
-        <p:blipFill>
+        <p:blipFill rotWithShape="1">
           <a:blip r:embed="rId3"/>
-          <a:stretch>
-            <a:fillRect/>
-          </a:stretch>
+          <a:srcRect t="31100"/>
+          <a:stretch/>
         </p:blipFill>
         <p:spPr>
           <a:xfrm>
-            <a:off x="2987824" y="2924944"/>
-            <a:ext cx="5462660" cy="1656184"/>
+            <a:off x="4716016" y="1916832"/>
+            <a:ext cx="3886299" cy="3558738"/>
           </a:xfrm>
           <a:prstGeom prst="rect">
             <a:avLst/>
@@ -1899,36 +2181,46 @@
       </p:pic>
       <p:sp>
         <p:nvSpPr>
-          <p:cNvPr id="8" name="Rectangle 7"/>
-          <p:cNvSpPr/>
+          <p:cNvPr id="6" name="TextBox 5"/>
+          <p:cNvSpPr txBox="1"/>
           <p:nvPr/>
         </p:nvSpPr>
         <p:spPr>
           <a:xfrm>
-            <a:off x="-36511" y="5332568"/>
-            <a:ext cx="7796819" cy="369332"/>
-          </a:xfrm>
-          <a:prstGeom prst="rect">
-            <a:avLst/>
-          </a:prstGeom>
+            <a:off x="179512" y="407736"/>
+            <a:ext cx="1656184" cy="461665"/>
+          </a:xfrm>
+          <a:prstGeom prst="rect">
+            <a:avLst/>
+          </a:prstGeom>
+          <a:noFill/>
         </p:spPr>
         <p:txBody>
-          <a:bodyPr wrap="square">
+          <a:bodyPr wrap="square" rtlCol="0">
             <a:spAutoFit/>
           </a:bodyPr>
           <a:lstStyle/>
           <a:p>
             <a:r>
-              <a:rPr lang="en-US" dirty="0"/>
-              <a:t>http://benalexkeen.com/feature-scaling-with-scikit-learn/</a:t>
-            </a:r>
+              <a:rPr lang="en-US" sz="2400" b="1" dirty="0" smtClean="0">
+                <a:solidFill>
+                  <a:srgbClr val="00B050"/>
+                </a:solidFill>
+              </a:rPr>
+              <a:t>Regression</a:t>
+            </a:r>
+            <a:endParaRPr lang="en-US" sz="2400" b="1" dirty="0">
+              <a:solidFill>
+                <a:srgbClr val="00B050"/>
+              </a:solidFill>
+            </a:endParaRPr>
           </a:p>
         </p:txBody>
       </p:sp>
     </p:spTree>
     <p:extLst>
       <p:ext uri="{BB962C8B-B14F-4D97-AF65-F5344CB8AC3E}">
-        <p14:creationId xmlns:p14="http://schemas.microsoft.com/office/powerpoint/2010/main" val="3888246916"/>
+        <p14:creationId xmlns:p14="http://schemas.microsoft.com/office/powerpoint/2010/main" val="2263446752"/>
       </p:ext>
     </p:extLst>
   </p:cSld>
@@ -1979,40 +2271,122 @@
           <a:p>
             <a:r>
               <a:rPr lang="en-US" dirty="0" smtClean="0"/>
-              <a:t>K-Fold Cross Validation</a:t>
+              <a:t>FRCI on Agroforestry (</a:t>
+            </a:r>
+            <a:r>
+              <a:rPr lang="en-US" dirty="0" err="1" smtClean="0"/>
+              <a:t>Cidanau</a:t>
+            </a:r>
+            <a:r>
+              <a:rPr lang="en-US" dirty="0" smtClean="0"/>
+              <a:t>)</a:t>
             </a:r>
             <a:endParaRPr lang="en-US" dirty="0"/>
           </a:p>
         </p:txBody>
       </p:sp>
-      <p:pic>
-        <p:nvPicPr>
-          <p:cNvPr id="3" name="Picture 2"/>
-          <p:cNvPicPr>
-            <a:picLocks noChangeAspect="1"/>
-          </p:cNvPicPr>
+      <p:sp>
+        <p:nvSpPr>
+          <p:cNvPr id="3" name="TextBox 2"/>
+          <p:cNvSpPr txBox="1"/>
           <p:nvPr/>
-        </p:nvPicPr>
-        <p:blipFill>
-          <a:blip r:embed="rId2"/>
-          <a:stretch>
-            <a:fillRect/>
-          </a:stretch>
-        </p:blipFill>
-        <p:spPr>
-          <a:xfrm>
-            <a:off x="0" y="933294"/>
-            <a:ext cx="9144000" cy="4991411"/>
-          </a:xfrm>
-          <a:prstGeom prst="rect">
-            <a:avLst/>
-          </a:prstGeom>
-        </p:spPr>
-      </p:pic>
+        </p:nvSpPr>
+        <p:spPr>
+          <a:xfrm>
+            <a:off x="395536" y="1556792"/>
+            <a:ext cx="7848872" cy="2677656"/>
+          </a:xfrm>
+          <a:prstGeom prst="rect">
+            <a:avLst/>
+          </a:prstGeom>
+          <a:noFill/>
+        </p:spPr>
+        <p:txBody>
+          <a:bodyPr wrap="square" rtlCol="0">
+            <a:spAutoFit/>
+          </a:bodyPr>
+          <a:lstStyle/>
+          <a:p>
+            <a:pPr marL="285750" indent="-285750">
+              <a:buFont typeface="Wingdings" panose="05000000000000000000" pitchFamily="2" charset="2"/>
+              <a:buChar char="v"/>
+            </a:pPr>
+            <a:r>
+              <a:rPr lang="en-US" sz="2400" dirty="0" smtClean="0"/>
+              <a:t>FRCI calculated using LiDAR data</a:t>
+            </a:r>
+          </a:p>
+          <a:p>
+            <a:pPr marL="285750" indent="-285750">
+              <a:buFont typeface="Wingdings" panose="05000000000000000000" pitchFamily="2" charset="2"/>
+              <a:buChar char="v"/>
+            </a:pPr>
+            <a:r>
+              <a:rPr lang="en-US" sz="2400" dirty="0" smtClean="0"/>
+              <a:t>300 Sample data</a:t>
+            </a:r>
+          </a:p>
+          <a:p>
+            <a:pPr marL="285750" indent="-285750">
+              <a:buFont typeface="Wingdings" panose="05000000000000000000" pitchFamily="2" charset="2"/>
+              <a:buChar char="v"/>
+            </a:pPr>
+            <a:r>
+              <a:rPr lang="en-US" sz="2400" dirty="0"/>
+              <a:t>Divide Data (Training and testing data</a:t>
+            </a:r>
+            <a:r>
+              <a:rPr lang="en-US" sz="2400" dirty="0" smtClean="0"/>
+              <a:t>)</a:t>
+            </a:r>
+          </a:p>
+          <a:p>
+            <a:pPr marL="285750" indent="-285750">
+              <a:buFont typeface="Wingdings" panose="05000000000000000000" pitchFamily="2" charset="2"/>
+              <a:buChar char="v"/>
+            </a:pPr>
+            <a:r>
+              <a:rPr lang="en-US" sz="2400" dirty="0" err="1" smtClean="0"/>
+              <a:t>Normalisasi</a:t>
+            </a:r>
+            <a:r>
+              <a:rPr lang="en-US" sz="2400" dirty="0" smtClean="0"/>
+              <a:t> Data (Feature Scaling)</a:t>
+            </a:r>
+          </a:p>
+          <a:p>
+            <a:pPr marL="285750" indent="-285750">
+              <a:buFont typeface="Wingdings" panose="05000000000000000000" pitchFamily="2" charset="2"/>
+              <a:buChar char="v"/>
+            </a:pPr>
+            <a:r>
+              <a:rPr lang="en-US" sz="2400" dirty="0" smtClean="0"/>
+              <a:t>K-fold cross validation</a:t>
+            </a:r>
+          </a:p>
+          <a:p>
+            <a:pPr marL="285750" indent="-285750">
+              <a:buFont typeface="Wingdings" panose="05000000000000000000" pitchFamily="2" charset="2"/>
+              <a:buChar char="v"/>
+            </a:pPr>
+            <a:r>
+              <a:rPr lang="en-US" sz="2400" dirty="0" smtClean="0"/>
+              <a:t>Model predicted using SVR (Support Vector Regression)</a:t>
+            </a:r>
+          </a:p>
+          <a:p>
+            <a:pPr marL="285750" indent="-285750">
+              <a:buFont typeface="Wingdings" panose="05000000000000000000" pitchFamily="2" charset="2"/>
+              <a:buChar char="v"/>
+            </a:pPr>
+            <a:endParaRPr lang="en-US" sz="2400" dirty="0"/>
+          </a:p>
+        </p:txBody>
+      </p:sp>
     </p:spTree>
     <p:extLst>
       <p:ext uri="{BB962C8B-B14F-4D97-AF65-F5344CB8AC3E}">
-        <p14:creationId xmlns:p14="http://schemas.microsoft.com/office/powerpoint/2010/main" val="1403996502"/>
+        <p14:creationId xmlns:p14="http://schemas.microsoft.com/office/powerpoint/2010/main" val="1063735780"/>
       </p:ext>
     </p:extLst>
   </p:cSld>
@@ -2048,36 +2422,98 @@
       </p:grpSpPr>
       <p:sp>
         <p:nvSpPr>
-          <p:cNvPr id="4" name="Title 1"/>
-          <p:cNvSpPr>
-            <a:spLocks noGrp="1"/>
-          </p:cNvSpPr>
-          <p:nvPr>
-            <p:ph type="title"/>
-          </p:nvPr>
+          <p:cNvPr id="4" name="Rectangle 3"/>
+          <p:cNvSpPr/>
+          <p:nvPr/>
         </p:nvSpPr>
         <p:spPr>
           <a:xfrm>
-            <a:off x="179512" y="188640"/>
-            <a:ext cx="8424936" cy="850106"/>
-          </a:xfrm>
+            <a:off x="248509" y="332656"/>
+            <a:ext cx="3782254" cy="369332"/>
+          </a:xfrm>
+          <a:prstGeom prst="rect">
+            <a:avLst/>
+          </a:prstGeom>
         </p:spPr>
         <p:txBody>
-          <a:bodyPr/>
+          <a:bodyPr wrap="none">
+            <a:spAutoFit/>
+          </a:bodyPr>
           <a:lstStyle/>
           <a:p>
             <a:r>
-              <a:rPr lang="en-US" dirty="0"/>
-              <a:t>Prediction </a:t>
-            </a:r>
-            <a:r>
-              <a:rPr lang="en-US" dirty="0" smtClean="0"/>
-              <a:t>Model…[1]</a:t>
-            </a:r>
-            <a:endParaRPr lang="en-US" dirty="0"/>
+              <a:rPr lang="en-US" b="1" dirty="0" err="1" smtClean="0"/>
+              <a:t>Normalisasi</a:t>
+            </a:r>
+            <a:r>
+              <a:rPr lang="en-US" b="1" dirty="0" smtClean="0"/>
+              <a:t> Data with </a:t>
+            </a:r>
+            <a:r>
+              <a:rPr lang="en-US" b="1" dirty="0" err="1" smtClean="0"/>
+              <a:t>StandardScaler</a:t>
+            </a:r>
+            <a:endParaRPr lang="en-US" b="1" dirty="0"/>
           </a:p>
         </p:txBody>
       </p:sp>
+      <p:sp>
+        <p:nvSpPr>
+          <p:cNvPr id="5" name="Rectangle 4"/>
+          <p:cNvSpPr/>
+          <p:nvPr/>
+        </p:nvSpPr>
+        <p:spPr>
+          <a:xfrm>
+            <a:off x="-36511" y="5589240"/>
+            <a:ext cx="8932002" cy="369332"/>
+          </a:xfrm>
+          <a:prstGeom prst="rect">
+            <a:avLst/>
+          </a:prstGeom>
+        </p:spPr>
+        <p:txBody>
+          <a:bodyPr wrap="square">
+            <a:spAutoFit/>
+          </a:bodyPr>
+          <a:lstStyle/>
+          <a:p>
+            <a:r>
+              <a:rPr lang="en-US" dirty="0"/>
+              <a:t>https://</a:t>
+            </a:r>
+            <a:r>
+              <a:rPr lang="en-US" dirty="0" smtClean="0"/>
+              <a:t>scikit-learn.org/stable/modules/generated/sklearn.preprocessing.StandardScaler.html</a:t>
+            </a:r>
+            <a:endParaRPr lang="en-US" dirty="0"/>
+          </a:p>
+        </p:txBody>
+      </p:sp>
+      <p:pic>
+        <p:nvPicPr>
+          <p:cNvPr id="6" name="Picture 5"/>
+          <p:cNvPicPr>
+            <a:picLocks noChangeAspect="1"/>
+          </p:cNvPicPr>
+          <p:nvPr/>
+        </p:nvPicPr>
+        <p:blipFill>
+          <a:blip r:embed="rId2"/>
+          <a:stretch>
+            <a:fillRect/>
+          </a:stretch>
+        </p:blipFill>
+        <p:spPr>
+          <a:xfrm>
+            <a:off x="899592" y="1124744"/>
+            <a:ext cx="5525641" cy="1728192"/>
+          </a:xfrm>
+          <a:prstGeom prst="rect">
+            <a:avLst/>
+          </a:prstGeom>
+        </p:spPr>
+      </p:pic>
       <p:pic>
         <p:nvPicPr>
           <p:cNvPr id="7" name="Picture 6"/>
@@ -2087,50 +2523,15 @@
           <p:nvPr/>
         </p:nvPicPr>
         <p:blipFill>
-          <a:blip r:embed="rId2">
-            <a:extLst>
-              <a:ext uri="{28A0092B-C50C-407E-A947-70E740481C1C}">
-                <a14:useLocalDpi xmlns:a14="http://schemas.microsoft.com/office/drawing/2010/main" val="0"/>
-              </a:ext>
-            </a:extLst>
-          </a:blip>
+          <a:blip r:embed="rId3"/>
           <a:stretch>
             <a:fillRect/>
           </a:stretch>
         </p:blipFill>
         <p:spPr>
           <a:xfrm>
-            <a:off x="4572000" y="1916832"/>
-            <a:ext cx="4441453" cy="3516376"/>
-          </a:xfrm>
-          <a:prstGeom prst="rect">
-            <a:avLst/>
-          </a:prstGeom>
-        </p:spPr>
-      </p:pic>
-      <p:pic>
-        <p:nvPicPr>
-          <p:cNvPr id="6" name="Picture 5"/>
-          <p:cNvPicPr>
-            <a:picLocks noChangeAspect="1"/>
-          </p:cNvPicPr>
-          <p:nvPr/>
-        </p:nvPicPr>
-        <p:blipFill rotWithShape="1">
-          <a:blip r:embed="rId3">
-            <a:extLst>
-              <a:ext uri="{28A0092B-C50C-407E-A947-70E740481C1C}">
-                <a14:useLocalDpi xmlns:a14="http://schemas.microsoft.com/office/drawing/2010/main" val="0"/>
-              </a:ext>
-            </a:extLst>
-          </a:blip>
-          <a:srcRect t="9453"/>
-          <a:stretch/>
-        </p:blipFill>
-        <p:spPr>
-          <a:xfrm>
-            <a:off x="-10110" y="2192848"/>
-            <a:ext cx="4520076" cy="3240360"/>
+            <a:off x="2987824" y="3068960"/>
+            <a:ext cx="5462660" cy="1656184"/>
           </a:xfrm>
           <a:prstGeom prst="rect">
             <a:avLst/>
@@ -2139,74 +2540,36 @@
       </p:pic>
       <p:sp>
         <p:nvSpPr>
-          <p:cNvPr id="9" name="Rectangle 8"/>
+          <p:cNvPr id="8" name="Rectangle 7"/>
           <p:cNvSpPr/>
           <p:nvPr/>
         </p:nvSpPr>
         <p:spPr>
           <a:xfrm>
-            <a:off x="251520" y="1052736"/>
-            <a:ext cx="2121093" cy="646331"/>
+            <a:off x="-36511" y="5332568"/>
+            <a:ext cx="7796819" cy="369332"/>
           </a:xfrm>
           <a:prstGeom prst="rect">
             <a:avLst/>
           </a:prstGeom>
         </p:spPr>
         <p:txBody>
-          <a:bodyPr wrap="none">
+          <a:bodyPr wrap="square">
             <a:spAutoFit/>
           </a:bodyPr>
           <a:lstStyle/>
           <a:p>
             <a:r>
-              <a:rPr lang="en-US" dirty="0" smtClean="0"/>
-              <a:t>Linear Model</a:t>
-            </a:r>
-          </a:p>
-          <a:p>
-            <a:r>
-              <a:rPr lang="en-US" dirty="0" smtClean="0"/>
-              <a:t>RMSE : 0.008028042</a:t>
-            </a:r>
-            <a:endParaRPr lang="en-US" dirty="0"/>
-          </a:p>
-        </p:txBody>
-      </p:sp>
-      <p:sp>
-        <p:nvSpPr>
-          <p:cNvPr id="10" name="TextBox 9"/>
-          <p:cNvSpPr txBox="1"/>
-          <p:nvPr/>
-        </p:nvSpPr>
-        <p:spPr>
-          <a:xfrm>
-            <a:off x="3177818" y="1451630"/>
-            <a:ext cx="2664296" cy="461665"/>
-          </a:xfrm>
-          <a:prstGeom prst="rect">
-            <a:avLst/>
-          </a:prstGeom>
-          <a:noFill/>
-        </p:spPr>
-        <p:txBody>
-          <a:bodyPr wrap="square" rtlCol="0">
-            <a:spAutoFit/>
-          </a:bodyPr>
-          <a:lstStyle/>
-          <a:p>
-            <a:pPr algn="ctr"/>
-            <a:r>
-              <a:rPr lang="en-US" sz="2400" b="1" dirty="0" smtClean="0"/>
-              <a:t>FRCI VS Band 4</a:t>
-            </a:r>
-            <a:endParaRPr lang="en-US" sz="2400" b="1" dirty="0"/>
+              <a:rPr lang="en-US" dirty="0"/>
+              <a:t>http://benalexkeen.com/feature-scaling-with-scikit-learn/</a:t>
+            </a:r>
           </a:p>
         </p:txBody>
       </p:sp>
     </p:spTree>
     <p:extLst>
       <p:ext uri="{BB962C8B-B14F-4D97-AF65-F5344CB8AC3E}">
-        <p14:creationId xmlns:p14="http://schemas.microsoft.com/office/powerpoint/2010/main" val="2277436891"/>
+        <p14:creationId xmlns:p14="http://schemas.microsoft.com/office/powerpoint/2010/main" val="3888246916"/>
       </p:ext>
     </p:extLst>
   </p:cSld>
@@ -2242,7 +2605,7 @@
       </p:grpSpPr>
       <p:sp>
         <p:nvSpPr>
-          <p:cNvPr id="3" name="Title 1"/>
+          <p:cNvPr id="2" name="Title 1"/>
           <p:cNvSpPr>
             <a:spLocks noGrp="1"/>
           </p:cNvSpPr>
@@ -2250,23 +2613,14 @@
             <p:ph type="title"/>
           </p:nvPr>
         </p:nvSpPr>
-        <p:spPr>
-          <a:xfrm>
-            <a:off x="179512" y="188640"/>
-            <a:ext cx="8424936" cy="850106"/>
-          </a:xfrm>
-        </p:spPr>
+        <p:spPr/>
         <p:txBody>
           <a:bodyPr/>
           <a:lstStyle/>
           <a:p>
             <a:r>
-              <a:rPr lang="en-US" dirty="0"/>
-              <a:t>Prediction </a:t>
-            </a:r>
-            <a:r>
               <a:rPr lang="en-US" dirty="0" smtClean="0"/>
-              <a:t>Model…[2]</a:t>
+              <a:t>K-Fold Cross Validation</a:t>
             </a:r>
             <a:endParaRPr lang="en-US" dirty="0"/>
           </a:p>
@@ -2274,103 +2628,32 @@
       </p:sp>
       <p:pic>
         <p:nvPicPr>
-          <p:cNvPr id="4" name="Picture 3"/>
+          <p:cNvPr id="3" name="Picture 2"/>
           <p:cNvPicPr>
             <a:picLocks noChangeAspect="1"/>
           </p:cNvPicPr>
           <p:nvPr/>
         </p:nvPicPr>
         <p:blipFill>
-          <a:blip r:embed="rId2">
-            <a:extLst>
-              <a:ext uri="{28A0092B-C50C-407E-A947-70E740481C1C}">
-                <a14:useLocalDpi xmlns:a14="http://schemas.microsoft.com/office/drawing/2010/main" val="0"/>
-              </a:ext>
-            </a:extLst>
-          </a:blip>
+          <a:blip r:embed="rId2"/>
           <a:stretch>
             <a:fillRect/>
           </a:stretch>
         </p:blipFill>
         <p:spPr>
           <a:xfrm>
-            <a:off x="0" y="2060848"/>
-            <a:ext cx="4536504" cy="3591629"/>
+            <a:off x="0" y="933294"/>
+            <a:ext cx="9144000" cy="4991411"/>
           </a:xfrm>
           <a:prstGeom prst="rect">
             <a:avLst/>
           </a:prstGeom>
         </p:spPr>
       </p:pic>
-      <p:pic>
-        <p:nvPicPr>
-          <p:cNvPr id="5" name="Picture 4"/>
-          <p:cNvPicPr>
-            <a:picLocks noChangeAspect="1"/>
-          </p:cNvPicPr>
-          <p:nvPr/>
-        </p:nvPicPr>
-        <p:blipFill>
-          <a:blip r:embed="rId3">
-            <a:extLst>
-              <a:ext uri="{28A0092B-C50C-407E-A947-70E740481C1C}">
-                <a14:useLocalDpi xmlns:a14="http://schemas.microsoft.com/office/drawing/2010/main" val="0"/>
-              </a:ext>
-            </a:extLst>
-          </a:blip>
-          <a:stretch>
-            <a:fillRect/>
-          </a:stretch>
-        </p:blipFill>
-        <p:spPr>
-          <a:xfrm>
-            <a:off x="4355976" y="2060848"/>
-            <a:ext cx="4505234" cy="3566872"/>
-          </a:xfrm>
-          <a:prstGeom prst="rect">
-            <a:avLst/>
-          </a:prstGeom>
-        </p:spPr>
-      </p:pic>
-      <p:sp>
-        <p:nvSpPr>
-          <p:cNvPr id="6" name="Rectangle 5"/>
-          <p:cNvSpPr/>
-          <p:nvPr/>
-        </p:nvSpPr>
-        <p:spPr>
-          <a:xfrm>
-            <a:off x="317077" y="1255393"/>
-            <a:ext cx="1951175" cy="646331"/>
-          </a:xfrm>
-          <a:prstGeom prst="rect">
-            <a:avLst/>
-          </a:prstGeom>
-        </p:spPr>
-        <p:txBody>
-          <a:bodyPr wrap="none">
-            <a:spAutoFit/>
-          </a:bodyPr>
-          <a:lstStyle/>
-          <a:p>
-            <a:r>
-              <a:rPr lang="en-US" dirty="0" smtClean="0"/>
-              <a:t>SVM</a:t>
-            </a:r>
-          </a:p>
-          <a:p>
-            <a:r>
-              <a:rPr lang="en-US" dirty="0" smtClean="0"/>
-              <a:t>RMSE :0.00645505</a:t>
-            </a:r>
-            <a:endParaRPr lang="en-US" dirty="0"/>
-          </a:p>
-        </p:txBody>
-      </p:sp>
     </p:spTree>
     <p:extLst>
       <p:ext uri="{BB962C8B-B14F-4D97-AF65-F5344CB8AC3E}">
-        <p14:creationId xmlns:p14="http://schemas.microsoft.com/office/powerpoint/2010/main" val="295928750"/>
+        <p14:creationId xmlns:p14="http://schemas.microsoft.com/office/powerpoint/2010/main" val="1403996502"/>
       </p:ext>
     </p:extLst>
   </p:cSld>
@@ -2406,7 +2689,7 @@
       </p:grpSpPr>
       <p:sp>
         <p:nvSpPr>
-          <p:cNvPr id="3" name="Title 1"/>
+          <p:cNvPr id="4" name="Title 1"/>
           <p:cNvSpPr>
             <a:spLocks noGrp="1"/>
           </p:cNvSpPr>
@@ -2430,74 +2713,141 @@
             </a:r>
             <a:r>
               <a:rPr lang="en-US" dirty="0" smtClean="0"/>
-              <a:t>Model…[3]</a:t>
+              <a:t>Model…[1]</a:t>
             </a:r>
             <a:endParaRPr lang="en-US" dirty="0"/>
-          </a:p>
-        </p:txBody>
-      </p:sp>
-      <p:sp>
-        <p:nvSpPr>
-          <p:cNvPr id="4" name="Rectangle 3"/>
-          <p:cNvSpPr/>
-          <p:nvPr/>
-        </p:nvSpPr>
-        <p:spPr>
-          <a:xfrm>
-            <a:off x="317077" y="1255393"/>
-            <a:ext cx="1834156" cy="646331"/>
-          </a:xfrm>
-          <a:prstGeom prst="rect">
-            <a:avLst/>
-          </a:prstGeom>
-        </p:spPr>
-        <p:txBody>
-          <a:bodyPr wrap="none">
-            <a:spAutoFit/>
-          </a:bodyPr>
-          <a:lstStyle/>
-          <a:p>
-            <a:r>
-              <a:rPr lang="en-US" dirty="0" smtClean="0"/>
-              <a:t>SVM</a:t>
-            </a:r>
-          </a:p>
-          <a:p>
-            <a:r>
-              <a:rPr lang="en-US" dirty="0"/>
-              <a:t>RMSE :0.1188936</a:t>
-            </a:r>
           </a:p>
         </p:txBody>
       </p:sp>
       <p:pic>
         <p:nvPicPr>
-          <p:cNvPr id="5" name="Picture 4"/>
+          <p:cNvPr id="7" name="Picture 6"/>
           <p:cNvPicPr>
             <a:picLocks noChangeAspect="1"/>
           </p:cNvPicPr>
           <p:nvPr/>
         </p:nvPicPr>
         <p:blipFill>
-          <a:blip r:embed="rId2"/>
+          <a:blip r:embed="rId2">
+            <a:extLst>
+              <a:ext uri="{28A0092B-C50C-407E-A947-70E740481C1C}">
+                <a14:useLocalDpi xmlns:a14="http://schemas.microsoft.com/office/drawing/2010/main" val="0"/>
+              </a:ext>
+            </a:extLst>
+          </a:blip>
           <a:stretch>
             <a:fillRect/>
           </a:stretch>
         </p:blipFill>
         <p:spPr>
           <a:xfrm>
-            <a:off x="317077" y="2169806"/>
-            <a:ext cx="6057900" cy="2219325"/>
+            <a:off x="4572000" y="1916832"/>
+            <a:ext cx="4441453" cy="3516376"/>
           </a:xfrm>
           <a:prstGeom prst="rect">
             <a:avLst/>
           </a:prstGeom>
         </p:spPr>
       </p:pic>
+      <p:pic>
+        <p:nvPicPr>
+          <p:cNvPr id="6" name="Picture 5"/>
+          <p:cNvPicPr>
+            <a:picLocks noChangeAspect="1"/>
+          </p:cNvPicPr>
+          <p:nvPr/>
+        </p:nvPicPr>
+        <p:blipFill rotWithShape="1">
+          <a:blip r:embed="rId3">
+            <a:extLst>
+              <a:ext uri="{28A0092B-C50C-407E-A947-70E740481C1C}">
+                <a14:useLocalDpi xmlns:a14="http://schemas.microsoft.com/office/drawing/2010/main" val="0"/>
+              </a:ext>
+            </a:extLst>
+          </a:blip>
+          <a:srcRect t="9453"/>
+          <a:stretch/>
+        </p:blipFill>
+        <p:spPr>
+          <a:xfrm>
+            <a:off x="-10110" y="2192848"/>
+            <a:ext cx="4520076" cy="3240360"/>
+          </a:xfrm>
+          <a:prstGeom prst="rect">
+            <a:avLst/>
+          </a:prstGeom>
+        </p:spPr>
+      </p:pic>
+      <p:sp>
+        <p:nvSpPr>
+          <p:cNvPr id="9" name="Rectangle 8"/>
+          <p:cNvSpPr/>
+          <p:nvPr/>
+        </p:nvSpPr>
+        <p:spPr>
+          <a:xfrm>
+            <a:off x="251520" y="1052736"/>
+            <a:ext cx="2121093" cy="646331"/>
+          </a:xfrm>
+          <a:prstGeom prst="rect">
+            <a:avLst/>
+          </a:prstGeom>
+        </p:spPr>
+        <p:txBody>
+          <a:bodyPr wrap="none">
+            <a:spAutoFit/>
+          </a:bodyPr>
+          <a:lstStyle/>
+          <a:p>
+            <a:r>
+              <a:rPr lang="en-US" dirty="0" smtClean="0"/>
+              <a:t>Linear Model</a:t>
+            </a:r>
+          </a:p>
+          <a:p>
+            <a:r>
+              <a:rPr lang="en-US" dirty="0" smtClean="0"/>
+              <a:t>RMSE : 0.008028042</a:t>
+            </a:r>
+            <a:endParaRPr lang="en-US" dirty="0"/>
+          </a:p>
+        </p:txBody>
+      </p:sp>
+      <p:sp>
+        <p:nvSpPr>
+          <p:cNvPr id="10" name="TextBox 9"/>
+          <p:cNvSpPr txBox="1"/>
+          <p:nvPr/>
+        </p:nvSpPr>
+        <p:spPr>
+          <a:xfrm>
+            <a:off x="3177818" y="1451630"/>
+            <a:ext cx="2664296" cy="461665"/>
+          </a:xfrm>
+          <a:prstGeom prst="rect">
+            <a:avLst/>
+          </a:prstGeom>
+          <a:noFill/>
+        </p:spPr>
+        <p:txBody>
+          <a:bodyPr wrap="square" rtlCol="0">
+            <a:spAutoFit/>
+          </a:bodyPr>
+          <a:lstStyle/>
+          <a:p>
+            <a:pPr algn="ctr"/>
+            <a:r>
+              <a:rPr lang="en-US" sz="2400" b="1" dirty="0" smtClean="0"/>
+              <a:t>FRCI VS Band 4</a:t>
+            </a:r>
+            <a:endParaRPr lang="en-US" sz="2400" b="1" dirty="0"/>
+          </a:p>
+        </p:txBody>
+      </p:sp>
     </p:spTree>
     <p:extLst>
       <p:ext uri="{BB962C8B-B14F-4D97-AF65-F5344CB8AC3E}">
-        <p14:creationId xmlns:p14="http://schemas.microsoft.com/office/powerpoint/2010/main" val="3182363783"/>
+        <p14:creationId xmlns:p14="http://schemas.microsoft.com/office/powerpoint/2010/main" val="2277436891"/>
       </p:ext>
     </p:extLst>
   </p:cSld>

--- a/SVR/Report/FRCI USING SVM_II.pptx
+++ b/SVR/Report/FRCI USING SVM_II.pptx
@@ -5,21 +5,22 @@
     <p:sldMasterId id="2147483648" r:id="rId1"/>
   </p:sldMasterIdLst>
   <p:notesMasterIdLst>
-    <p:notesMasterId r:id="rId14"/>
+    <p:notesMasterId r:id="rId15"/>
   </p:notesMasterIdLst>
   <p:sldIdLst>
     <p:sldId id="256" r:id="rId2"/>
     <p:sldId id="268" r:id="rId3"/>
     <p:sldId id="267" r:id="rId4"/>
-    <p:sldId id="257" r:id="rId5"/>
-    <p:sldId id="258" r:id="rId6"/>
-    <p:sldId id="259" r:id="rId7"/>
-    <p:sldId id="260" r:id="rId8"/>
-    <p:sldId id="261" r:id="rId9"/>
-    <p:sldId id="262" r:id="rId10"/>
-    <p:sldId id="263" r:id="rId11"/>
-    <p:sldId id="264" r:id="rId12"/>
-    <p:sldId id="266" r:id="rId13"/>
+    <p:sldId id="269" r:id="rId5"/>
+    <p:sldId id="257" r:id="rId6"/>
+    <p:sldId id="258" r:id="rId7"/>
+    <p:sldId id="259" r:id="rId8"/>
+    <p:sldId id="260" r:id="rId9"/>
+    <p:sldId id="261" r:id="rId10"/>
+    <p:sldId id="262" r:id="rId11"/>
+    <p:sldId id="263" r:id="rId12"/>
+    <p:sldId id="264" r:id="rId13"/>
+    <p:sldId id="266" r:id="rId14"/>
   </p:sldIdLst>
   <p:sldSz cx="9144000" cy="6858000" type="screen4x3"/>
   <p:notesSz cx="6858000" cy="9144000"/>
@@ -231,7 +232,7 @@
           <a:p>
             <a:fld id="{485DB471-B93B-45E3-B23A-C8EFA6773073}" type="datetimeFigureOut">
               <a:rPr lang="id-ID" smtClean="0"/>
-              <a:t>07/12/2018</a:t>
+              <a:t>09/12/2018</a:t>
             </a:fld>
             <a:endParaRPr lang="id-ID"/>
           </a:p>
@@ -497,6 +498,110 @@
     </a:lvl9pPr>
   </p:notesStyle>
 </p:notesMaster>
+</file>
+
+<file path=ppt/notesSlides/notesSlide1.xml><?xml version="1.0" encoding="utf-8"?>
+<p:notes xmlns:a="http://schemas.openxmlformats.org/drawingml/2006/main" xmlns:r="http://schemas.openxmlformats.org/officeDocument/2006/relationships" xmlns:p="http://schemas.openxmlformats.org/presentationml/2006/main">
+  <p:cSld>
+    <p:spTree>
+      <p:nvGrpSpPr>
+        <p:cNvPr id="1" name=""/>
+        <p:cNvGrpSpPr/>
+        <p:nvPr/>
+      </p:nvGrpSpPr>
+      <p:grpSpPr>
+        <a:xfrm>
+          <a:off x="0" y="0"/>
+          <a:ext cx="0" cy="0"/>
+          <a:chOff x="0" y="0"/>
+          <a:chExt cx="0" cy="0"/>
+        </a:xfrm>
+      </p:grpSpPr>
+      <p:sp>
+        <p:nvSpPr>
+          <p:cNvPr id="2" name="Slide Image Placeholder 1"/>
+          <p:cNvSpPr>
+            <a:spLocks noGrp="1" noRot="1" noChangeAspect="1"/>
+          </p:cNvSpPr>
+          <p:nvPr>
+            <p:ph type="sldImg"/>
+          </p:nvPr>
+        </p:nvSpPr>
+        <p:spPr/>
+      </p:sp>
+      <p:sp>
+        <p:nvSpPr>
+          <p:cNvPr id="3" name="Notes Placeholder 2"/>
+          <p:cNvSpPr>
+            <a:spLocks noGrp="1"/>
+          </p:cNvSpPr>
+          <p:nvPr>
+            <p:ph type="body" idx="1"/>
+          </p:nvPr>
+        </p:nvSpPr>
+        <p:spPr/>
+        <p:txBody>
+          <a:bodyPr/>
+          <a:lstStyle/>
+          <a:p>
+            <a:r>
+              <a:rPr lang="en-US" dirty="0" smtClean="0"/>
+              <a:t>First Step : Create random vectors</a:t>
+            </a:r>
+          </a:p>
+          <a:p>
+            <a:r>
+              <a:rPr lang="en-US" dirty="0" smtClean="0"/>
+              <a:t>Second Step : Use random vector to build multiple decision trees</a:t>
+            </a:r>
+          </a:p>
+          <a:p>
+            <a:r>
+              <a:rPr lang="en-US" dirty="0" smtClean="0"/>
+              <a:t>Third Step : Combine decision</a:t>
+            </a:r>
+            <a:r>
+              <a:rPr lang="en-US" baseline="0" dirty="0" smtClean="0"/>
+              <a:t> trees</a:t>
+            </a:r>
+            <a:endParaRPr lang="en-US" dirty="0"/>
+          </a:p>
+        </p:txBody>
+      </p:sp>
+      <p:sp>
+        <p:nvSpPr>
+          <p:cNvPr id="4" name="Slide Number Placeholder 3"/>
+          <p:cNvSpPr>
+            <a:spLocks noGrp="1"/>
+          </p:cNvSpPr>
+          <p:nvPr>
+            <p:ph type="sldNum" sz="quarter" idx="10"/>
+          </p:nvPr>
+        </p:nvSpPr>
+        <p:spPr/>
+        <p:txBody>
+          <a:bodyPr/>
+          <a:lstStyle/>
+          <a:p>
+            <a:fld id="{508A216A-CBD0-4CA8-A0FB-157F78CA7956}" type="slidenum">
+              <a:rPr lang="id-ID" smtClean="0"/>
+              <a:t>3</a:t>
+            </a:fld>
+            <a:endParaRPr lang="id-ID"/>
+          </a:p>
+        </p:txBody>
+      </p:sp>
+    </p:spTree>
+    <p:extLst>
+      <p:ext uri="{BB962C8B-B14F-4D97-AF65-F5344CB8AC3E}">
+        <p14:creationId xmlns:p14="http://schemas.microsoft.com/office/powerpoint/2010/main" val="1498689198"/>
+      </p:ext>
+    </p:extLst>
+  </p:cSld>
+  <p:clrMapOvr>
+    <a:masterClrMapping/>
+  </p:clrMapOvr>
+</p:notes>
 </file>
 
 <file path=ppt/slideLayouts/slideLayout1.xml><?xml version="1.0" encoding="utf-8"?>
@@ -1080,7 +1185,7 @@
         <p:spPr>
           <a:xfrm>
             <a:off x="2987824" y="1196752"/>
-            <a:ext cx="6120680" cy="1815882"/>
+            <a:ext cx="6120680" cy="2308324"/>
           </a:xfrm>
           <a:prstGeom prst="rect">
             <a:avLst/>
@@ -1107,7 +1212,21 @@
                 <a:latin typeface="Calibri" panose="020F0502020204030204" pitchFamily="34" charset="0"/>
                 <a:cs typeface="Calibri" panose="020F0502020204030204" pitchFamily="34" charset="0"/>
               </a:rPr>
-              <a:t>Prediction of Forest Canopy Index Using Support Vector Machine</a:t>
+              <a:t>Prediction of Forest Canopy Index Using </a:t>
+            </a:r>
+            <a:r>
+              <a:rPr lang="en-GB" sz="3200" dirty="0" smtClean="0">
+                <a:latin typeface="Calibri" panose="020F0502020204030204" pitchFamily="34" charset="0"/>
+                <a:cs typeface="Calibri" panose="020F0502020204030204" pitchFamily="34" charset="0"/>
+              </a:rPr>
+              <a:t>Random Forest and Support </a:t>
+            </a:r>
+            <a:r>
+              <a:rPr lang="en-GB" sz="3200" dirty="0" smtClean="0">
+                <a:latin typeface="Calibri" panose="020F0502020204030204" pitchFamily="34" charset="0"/>
+                <a:cs typeface="Calibri" panose="020F0502020204030204" pitchFamily="34" charset="0"/>
+              </a:rPr>
+              <a:t>Vector Machine</a:t>
             </a:r>
             <a:endParaRPr lang="en-GB" sz="3200" dirty="0">
               <a:latin typeface="Calibri" panose="020F0502020204030204" pitchFamily="34" charset="0"/>
@@ -1124,7 +1243,7 @@
         </p:nvSpPr>
         <p:spPr>
           <a:xfrm>
-            <a:off x="3059832" y="3006502"/>
+            <a:off x="3059832" y="3717032"/>
             <a:ext cx="5688632" cy="830997"/>
           </a:xfrm>
           <a:prstGeom prst="rect">
@@ -1241,7 +1360,7 @@
       </p:grpSpPr>
       <p:sp>
         <p:nvSpPr>
-          <p:cNvPr id="3" name="Title 1"/>
+          <p:cNvPr id="4" name="Title 1"/>
           <p:cNvSpPr>
             <a:spLocks noGrp="1"/>
           </p:cNvSpPr>
@@ -1265,7 +1384,7 @@
             </a:r>
             <a:r>
               <a:rPr lang="en-US" dirty="0" smtClean="0"/>
-              <a:t>Model…[2]</a:t>
+              <a:t>Model…[1]</a:t>
             </a:r>
             <a:endParaRPr lang="en-US" dirty="0"/>
           </a:p>
@@ -1273,7 +1392,7 @@
       </p:sp>
       <p:pic>
         <p:nvPicPr>
-          <p:cNvPr id="4" name="Picture 3"/>
+          <p:cNvPr id="7" name="Picture 6"/>
           <p:cNvPicPr>
             <a:picLocks noChangeAspect="1"/>
           </p:cNvPicPr>
@@ -1293,8 +1412,8 @@
         </p:blipFill>
         <p:spPr>
           <a:xfrm>
-            <a:off x="0" y="2060848"/>
-            <a:ext cx="4536504" cy="3591629"/>
+            <a:off x="4572000" y="1916832"/>
+            <a:ext cx="4441453" cy="3516376"/>
           </a:xfrm>
           <a:prstGeom prst="rect">
             <a:avLst/>
@@ -1303,13 +1422,13 @@
       </p:pic>
       <p:pic>
         <p:nvPicPr>
-          <p:cNvPr id="5" name="Picture 4"/>
+          <p:cNvPr id="6" name="Picture 5"/>
           <p:cNvPicPr>
             <a:picLocks noChangeAspect="1"/>
           </p:cNvPicPr>
           <p:nvPr/>
         </p:nvPicPr>
-        <p:blipFill>
+        <p:blipFill rotWithShape="1">
           <a:blip r:embed="rId3">
             <a:extLst>
               <a:ext uri="{28A0092B-C50C-407E-A947-70E740481C1C}">
@@ -1317,14 +1436,13 @@
               </a:ext>
             </a:extLst>
           </a:blip>
-          <a:stretch>
-            <a:fillRect/>
-          </a:stretch>
+          <a:srcRect t="9453"/>
+          <a:stretch/>
         </p:blipFill>
         <p:spPr>
           <a:xfrm>
-            <a:off x="4355976" y="2060848"/>
-            <a:ext cx="4505234" cy="3566872"/>
+            <a:off x="-10110" y="2192848"/>
+            <a:ext cx="4520076" cy="3240360"/>
           </a:xfrm>
           <a:prstGeom prst="rect">
             <a:avLst/>
@@ -1333,14 +1451,14 @@
       </p:pic>
       <p:sp>
         <p:nvSpPr>
-          <p:cNvPr id="6" name="Rectangle 5"/>
+          <p:cNvPr id="9" name="Rectangle 8"/>
           <p:cNvSpPr/>
           <p:nvPr/>
         </p:nvSpPr>
         <p:spPr>
           <a:xfrm>
-            <a:off x="317077" y="1255393"/>
-            <a:ext cx="1951175" cy="646331"/>
+            <a:off x="251520" y="1052736"/>
+            <a:ext cx="2121093" cy="646331"/>
           </a:xfrm>
           <a:prstGeom prst="rect">
             <a:avLst/>
@@ -1354,22 +1472,53 @@
           <a:p>
             <a:r>
               <a:rPr lang="en-US" dirty="0" smtClean="0"/>
-              <a:t>SVM</a:t>
+              <a:t>Linear Model</a:t>
             </a:r>
           </a:p>
           <a:p>
             <a:r>
               <a:rPr lang="en-US" dirty="0" smtClean="0"/>
-              <a:t>RMSE :0.00645505</a:t>
+              <a:t>RMSE : 0.008028042</a:t>
             </a:r>
             <a:endParaRPr lang="en-US" dirty="0"/>
+          </a:p>
+        </p:txBody>
+      </p:sp>
+      <p:sp>
+        <p:nvSpPr>
+          <p:cNvPr id="10" name="TextBox 9"/>
+          <p:cNvSpPr txBox="1"/>
+          <p:nvPr/>
+        </p:nvSpPr>
+        <p:spPr>
+          <a:xfrm>
+            <a:off x="3177818" y="1451630"/>
+            <a:ext cx="2664296" cy="461665"/>
+          </a:xfrm>
+          <a:prstGeom prst="rect">
+            <a:avLst/>
+          </a:prstGeom>
+          <a:noFill/>
+        </p:spPr>
+        <p:txBody>
+          <a:bodyPr wrap="square" rtlCol="0">
+            <a:spAutoFit/>
+          </a:bodyPr>
+          <a:lstStyle/>
+          <a:p>
+            <a:pPr algn="ctr"/>
+            <a:r>
+              <a:rPr lang="en-US" sz="2400" b="1" dirty="0" smtClean="0"/>
+              <a:t>FRCI VS Band 4</a:t>
+            </a:r>
+            <a:endParaRPr lang="en-US" sz="2400" b="1" dirty="0"/>
           </a:p>
         </p:txBody>
       </p:sp>
     </p:spTree>
     <p:extLst>
       <p:ext uri="{BB962C8B-B14F-4D97-AF65-F5344CB8AC3E}">
-        <p14:creationId xmlns:p14="http://schemas.microsoft.com/office/powerpoint/2010/main" val="295928750"/>
+        <p14:creationId xmlns:p14="http://schemas.microsoft.com/office/powerpoint/2010/main" val="2277436891"/>
       </p:ext>
     </p:extLst>
   </p:cSld>
@@ -1429,6 +1578,170 @@
             </a:r>
             <a:r>
               <a:rPr lang="en-US" dirty="0" smtClean="0"/>
+              <a:t>Model…[2]</a:t>
+            </a:r>
+            <a:endParaRPr lang="en-US" dirty="0"/>
+          </a:p>
+        </p:txBody>
+      </p:sp>
+      <p:pic>
+        <p:nvPicPr>
+          <p:cNvPr id="4" name="Picture 3"/>
+          <p:cNvPicPr>
+            <a:picLocks noChangeAspect="1"/>
+          </p:cNvPicPr>
+          <p:nvPr/>
+        </p:nvPicPr>
+        <p:blipFill>
+          <a:blip r:embed="rId2">
+            <a:extLst>
+              <a:ext uri="{28A0092B-C50C-407E-A947-70E740481C1C}">
+                <a14:useLocalDpi xmlns:a14="http://schemas.microsoft.com/office/drawing/2010/main" val="0"/>
+              </a:ext>
+            </a:extLst>
+          </a:blip>
+          <a:stretch>
+            <a:fillRect/>
+          </a:stretch>
+        </p:blipFill>
+        <p:spPr>
+          <a:xfrm>
+            <a:off x="0" y="2060848"/>
+            <a:ext cx="4536504" cy="3591629"/>
+          </a:xfrm>
+          <a:prstGeom prst="rect">
+            <a:avLst/>
+          </a:prstGeom>
+        </p:spPr>
+      </p:pic>
+      <p:pic>
+        <p:nvPicPr>
+          <p:cNvPr id="5" name="Picture 4"/>
+          <p:cNvPicPr>
+            <a:picLocks noChangeAspect="1"/>
+          </p:cNvPicPr>
+          <p:nvPr/>
+        </p:nvPicPr>
+        <p:blipFill>
+          <a:blip r:embed="rId3">
+            <a:extLst>
+              <a:ext uri="{28A0092B-C50C-407E-A947-70E740481C1C}">
+                <a14:useLocalDpi xmlns:a14="http://schemas.microsoft.com/office/drawing/2010/main" val="0"/>
+              </a:ext>
+            </a:extLst>
+          </a:blip>
+          <a:stretch>
+            <a:fillRect/>
+          </a:stretch>
+        </p:blipFill>
+        <p:spPr>
+          <a:xfrm>
+            <a:off x="4355976" y="2060848"/>
+            <a:ext cx="4505234" cy="3566872"/>
+          </a:xfrm>
+          <a:prstGeom prst="rect">
+            <a:avLst/>
+          </a:prstGeom>
+        </p:spPr>
+      </p:pic>
+      <p:sp>
+        <p:nvSpPr>
+          <p:cNvPr id="6" name="Rectangle 5"/>
+          <p:cNvSpPr/>
+          <p:nvPr/>
+        </p:nvSpPr>
+        <p:spPr>
+          <a:xfrm>
+            <a:off x="317077" y="1255393"/>
+            <a:ext cx="1951175" cy="646331"/>
+          </a:xfrm>
+          <a:prstGeom prst="rect">
+            <a:avLst/>
+          </a:prstGeom>
+        </p:spPr>
+        <p:txBody>
+          <a:bodyPr wrap="none">
+            <a:spAutoFit/>
+          </a:bodyPr>
+          <a:lstStyle/>
+          <a:p>
+            <a:r>
+              <a:rPr lang="en-US" dirty="0" smtClean="0"/>
+              <a:t>SVM</a:t>
+            </a:r>
+          </a:p>
+          <a:p>
+            <a:r>
+              <a:rPr lang="en-US" dirty="0" smtClean="0"/>
+              <a:t>RMSE :0.00645505</a:t>
+            </a:r>
+            <a:endParaRPr lang="en-US" dirty="0"/>
+          </a:p>
+        </p:txBody>
+      </p:sp>
+    </p:spTree>
+    <p:extLst>
+      <p:ext uri="{BB962C8B-B14F-4D97-AF65-F5344CB8AC3E}">
+        <p14:creationId xmlns:p14="http://schemas.microsoft.com/office/powerpoint/2010/main" val="295928750"/>
+      </p:ext>
+    </p:extLst>
+  </p:cSld>
+  <p:clrMapOvr>
+    <a:masterClrMapping/>
+  </p:clrMapOvr>
+  <p:timing>
+    <p:tnLst>
+      <p:par>
+        <p:cTn id="1" dur="indefinite" restart="never" nodeType="tmRoot"/>
+      </p:par>
+    </p:tnLst>
+  </p:timing>
+</p:sld>
+</file>
+
+<file path=ppt/slides/slide12.xml><?xml version="1.0" encoding="utf-8"?>
+<p:sld xmlns:a="http://schemas.openxmlformats.org/drawingml/2006/main" xmlns:r="http://schemas.openxmlformats.org/officeDocument/2006/relationships" xmlns:p="http://schemas.openxmlformats.org/presentationml/2006/main">
+  <p:cSld>
+    <p:spTree>
+      <p:nvGrpSpPr>
+        <p:cNvPr id="1" name=""/>
+        <p:cNvGrpSpPr/>
+        <p:nvPr/>
+      </p:nvGrpSpPr>
+      <p:grpSpPr>
+        <a:xfrm>
+          <a:off x="0" y="0"/>
+          <a:ext cx="0" cy="0"/>
+          <a:chOff x="0" y="0"/>
+          <a:chExt cx="0" cy="0"/>
+        </a:xfrm>
+      </p:grpSpPr>
+      <p:sp>
+        <p:nvSpPr>
+          <p:cNvPr id="3" name="Title 1"/>
+          <p:cNvSpPr>
+            <a:spLocks noGrp="1"/>
+          </p:cNvSpPr>
+          <p:nvPr>
+            <p:ph type="title"/>
+          </p:nvPr>
+        </p:nvSpPr>
+        <p:spPr>
+          <a:xfrm>
+            <a:off x="179512" y="188640"/>
+            <a:ext cx="8424936" cy="850106"/>
+          </a:xfrm>
+        </p:spPr>
+        <p:txBody>
+          <a:bodyPr/>
+          <a:lstStyle/>
+          <a:p>
+            <a:r>
+              <a:rPr lang="en-US" dirty="0"/>
+              <a:t>Prediction </a:t>
+            </a:r>
+            <a:r>
+              <a:rPr lang="en-US" dirty="0" smtClean="0"/>
               <a:t>Model…[3]</a:t>
             </a:r>
             <a:endParaRPr lang="en-US" dirty="0"/>
@@ -1513,7 +1826,7 @@
 </p:sld>
 </file>
 
-<file path=ppt/slides/slide12.xml><?xml version="1.0" encoding="utf-8"?>
+<file path=ppt/slides/slide13.xml><?xml version="1.0" encoding="utf-8"?>
 <p:sld xmlns:a="http://schemas.openxmlformats.org/drawingml/2006/main" xmlns:r="http://schemas.openxmlformats.org/officeDocument/2006/relationships" xmlns:p="http://schemas.openxmlformats.org/presentationml/2006/main">
   <p:cSld>
     <p:spTree>
@@ -1654,114 +1967,9 @@
           </a:p>
         </p:txBody>
       </p:sp>
-    </p:spTree>
-    <p:extLst>
-      <p:ext uri="{BB962C8B-B14F-4D97-AF65-F5344CB8AC3E}">
-        <p14:creationId xmlns:p14="http://schemas.microsoft.com/office/powerpoint/2010/main" val="872066690"/>
-      </p:ext>
-    </p:extLst>
-  </p:cSld>
-  <p:clrMapOvr>
-    <a:masterClrMapping/>
-  </p:clrMapOvr>
-  <p:timing>
-    <p:tnLst>
-      <p:par>
-        <p:cTn id="1" dur="indefinite" restart="never" nodeType="tmRoot"/>
-      </p:par>
-    </p:tnLst>
-  </p:timing>
-</p:sld>
-</file>
-
-<file path=ppt/slides/slide3.xml><?xml version="1.0" encoding="utf-8"?>
-<p:sld xmlns:a="http://schemas.openxmlformats.org/drawingml/2006/main" xmlns:r="http://schemas.openxmlformats.org/officeDocument/2006/relationships" xmlns:p="http://schemas.openxmlformats.org/presentationml/2006/main">
-  <p:cSld>
-    <p:spTree>
-      <p:nvGrpSpPr>
-        <p:cNvPr id="1" name=""/>
-        <p:cNvGrpSpPr/>
-        <p:nvPr/>
-      </p:nvGrpSpPr>
-      <p:grpSpPr>
-        <a:xfrm>
-          <a:off x="0" y="0"/>
-          <a:ext cx="0" cy="0"/>
-          <a:chOff x="0" y="0"/>
-          <a:chExt cx="0" cy="0"/>
-        </a:xfrm>
-      </p:grpSpPr>
-      <p:sp>
-        <p:nvSpPr>
-          <p:cNvPr id="4" name="TextBox 3"/>
-          <p:cNvSpPr txBox="1"/>
-          <p:nvPr/>
-        </p:nvSpPr>
-        <p:spPr>
-          <a:xfrm>
-            <a:off x="323528" y="188640"/>
-            <a:ext cx="5040560" cy="523220"/>
-          </a:xfrm>
-          <a:prstGeom prst="rect">
-            <a:avLst/>
-          </a:prstGeom>
-          <a:noFill/>
-        </p:spPr>
-        <p:txBody>
-          <a:bodyPr wrap="square" rtlCol="0">
-            <a:spAutoFit/>
-          </a:bodyPr>
-          <a:lstStyle/>
-          <a:p>
-            <a:r>
-              <a:rPr lang="en-US" sz="2800" b="1" dirty="0" smtClean="0"/>
-              <a:t>Random Forest Regression:</a:t>
-            </a:r>
-            <a:endParaRPr lang="en-US" sz="2800" b="1" dirty="0"/>
-          </a:p>
-        </p:txBody>
-      </p:sp>
-      <p:sp>
-        <p:nvSpPr>
-          <p:cNvPr id="5" name="TextBox 4"/>
-          <p:cNvSpPr txBox="1"/>
-          <p:nvPr/>
-        </p:nvSpPr>
-        <p:spPr>
-          <a:xfrm>
-            <a:off x="323528" y="980728"/>
-            <a:ext cx="2736304" cy="461665"/>
-          </a:xfrm>
-          <a:prstGeom prst="rect">
-            <a:avLst/>
-          </a:prstGeom>
-          <a:noFill/>
-        </p:spPr>
-        <p:txBody>
-          <a:bodyPr wrap="square" rtlCol="0">
-            <a:spAutoFit/>
-          </a:bodyPr>
-          <a:lstStyle/>
-          <a:p>
-            <a:r>
-              <a:rPr lang="en-US" sz="2400" b="1" dirty="0" smtClean="0">
-                <a:solidFill>
-                  <a:srgbClr val="00B050"/>
-                </a:solidFill>
-              </a:rPr>
-              <a:t>Regression</a:t>
-            </a:r>
-            <a:endParaRPr lang="en-US" sz="2400" b="1" dirty="0">
-              <a:solidFill>
-                <a:srgbClr val="00B050"/>
-              </a:solidFill>
-            </a:endParaRPr>
-          </a:p>
-        </p:txBody>
-      </p:sp>
       <p:pic>
         <p:nvPicPr>
-          <p:cNvPr id="8" name="Picture 7"/>
+          <p:cNvPr id="5" name="Picture 4"/>
           <p:cNvPicPr>
             <a:picLocks noChangeAspect="1"/>
           </p:cNvPicPr>
@@ -1775,8 +1983,8 @@
         </p:blipFill>
         <p:spPr>
           <a:xfrm>
-            <a:off x="35496" y="1628799"/>
-            <a:ext cx="5976664" cy="3398317"/>
+            <a:off x="467544" y="4869160"/>
+            <a:ext cx="2520280" cy="740772"/>
           </a:xfrm>
           <a:prstGeom prst="rect">
             <a:avLst/>
@@ -1785,7 +1993,7 @@
       </p:pic>
       <p:pic>
         <p:nvPicPr>
-          <p:cNvPr id="9" name="Picture 8"/>
+          <p:cNvPr id="2" name="Picture 1"/>
           <p:cNvPicPr>
             <a:picLocks noChangeAspect="1"/>
           </p:cNvPicPr>
@@ -1799,8 +2007,32 @@
         </p:blipFill>
         <p:spPr>
           <a:xfrm>
-            <a:off x="2771800" y="1772816"/>
-            <a:ext cx="6336704" cy="3917441"/>
+            <a:off x="107504" y="762786"/>
+            <a:ext cx="6783740" cy="3890350"/>
+          </a:xfrm>
+          <a:prstGeom prst="rect">
+            <a:avLst/>
+          </a:prstGeom>
+        </p:spPr>
+      </p:pic>
+      <p:pic>
+        <p:nvPicPr>
+          <p:cNvPr id="3" name="Picture 2"/>
+          <p:cNvPicPr>
+            <a:picLocks noChangeAspect="1"/>
+          </p:cNvPicPr>
+          <p:nvPr/>
+        </p:nvPicPr>
+        <p:blipFill>
+          <a:blip r:embed="rId4"/>
+          <a:stretch>
+            <a:fillRect/>
+          </a:stretch>
+        </p:blipFill>
+        <p:spPr>
+          <a:xfrm>
+            <a:off x="3347864" y="2125050"/>
+            <a:ext cx="5544616" cy="3320174"/>
           </a:xfrm>
           <a:prstGeom prst="rect">
             <a:avLst/>
@@ -1810,7 +2042,7 @@
     </p:spTree>
     <p:extLst>
       <p:ext uri="{BB962C8B-B14F-4D97-AF65-F5344CB8AC3E}">
-        <p14:creationId xmlns:p14="http://schemas.microsoft.com/office/powerpoint/2010/main" val="3921336645"/>
+        <p14:creationId xmlns:p14="http://schemas.microsoft.com/office/powerpoint/2010/main" val="872066690"/>
       </p:ext>
     </p:extLst>
   </p:cSld>
@@ -1838,7 +2070,7 @@
                             </p:stCondLst>
                             <p:childTnLst>
                               <p:par>
-                                <p:cTn id="5" presetID="22" presetClass="entr" presetSubtype="4" fill="hold" nodeType="clickEffect">
+                                <p:cTn id="5" presetID="16" presetClass="entr" presetSubtype="21" fill="hold" nodeType="clickEffect">
                                   <p:stCondLst>
                                     <p:cond delay="0"/>
                                   </p:stCondLst>
@@ -1851,7 +2083,7 @@
                                           </p:stCondLst>
                                         </p:cTn>
                                         <p:tgtEl>
-                                          <p:spTgt spid="8"/>
+                                          <p:spTgt spid="2"/>
                                         </p:tgtEl>
                                         <p:attrNameLst>
                                           <p:attrName>style.visibility</p:attrName>
@@ -1861,11 +2093,11 @@
                                         <p:strVal val="visible"/>
                                       </p:to>
                                     </p:set>
-                                    <p:animEffect transition="in" filter="wipe(down)">
+                                    <p:animEffect transition="in" filter="barn(inVertical)">
                                       <p:cBhvr>
                                         <p:cTn id="7" dur="500"/>
                                         <p:tgtEl>
-                                          <p:spTgt spid="8"/>
+                                          <p:spTgt spid="2"/>
                                         </p:tgtEl>
                                       </p:cBhvr>
                                     </p:animEffect>
@@ -1904,7 +2136,7 @@
                                           </p:stCondLst>
                                         </p:cTn>
                                         <p:tgtEl>
-                                          <p:spTgt spid="9"/>
+                                          <p:spTgt spid="3"/>
                                         </p:tgtEl>
                                         <p:attrNameLst>
                                           <p:attrName>style.visibility</p:attrName>
@@ -1918,7 +2150,60 @@
                                       <p:cBhvr>
                                         <p:cTn id="12" dur="500"/>
                                         <p:tgtEl>
-                                          <p:spTgt spid="9"/>
+                                          <p:spTgt spid="3"/>
+                                        </p:tgtEl>
+                                      </p:cBhvr>
+                                    </p:animEffect>
+                                  </p:childTnLst>
+                                </p:cTn>
+                              </p:par>
+                            </p:childTnLst>
+                          </p:cTn>
+                        </p:par>
+                      </p:childTnLst>
+                    </p:cTn>
+                  </p:par>
+                  <p:par>
+                    <p:cTn id="13" fill="hold">
+                      <p:stCondLst>
+                        <p:cond delay="indefinite"/>
+                      </p:stCondLst>
+                      <p:childTnLst>
+                        <p:par>
+                          <p:cTn id="14" fill="hold">
+                            <p:stCondLst>
+                              <p:cond delay="0"/>
+                            </p:stCondLst>
+                            <p:childTnLst>
+                              <p:par>
+                                <p:cTn id="15" presetID="16" presetClass="entr" presetSubtype="21" fill="hold" nodeType="clickEffect">
+                                  <p:stCondLst>
+                                    <p:cond delay="0"/>
+                                  </p:stCondLst>
+                                  <p:childTnLst>
+                                    <p:set>
+                                      <p:cBhvr>
+                                        <p:cTn id="16" dur="1" fill="hold">
+                                          <p:stCondLst>
+                                            <p:cond delay="0"/>
+                                          </p:stCondLst>
+                                        </p:cTn>
+                                        <p:tgtEl>
+                                          <p:spTgt spid="5"/>
+                                        </p:tgtEl>
+                                        <p:attrNameLst>
+                                          <p:attrName>style.visibility</p:attrName>
+                                        </p:attrNameLst>
+                                      </p:cBhvr>
+                                      <p:to>
+                                        <p:strVal val="visible"/>
+                                      </p:to>
+                                    </p:set>
+                                    <p:animEffect transition="in" filter="barn(inVertical)">
+                                      <p:cBhvr>
+                                        <p:cTn id="17" dur="500"/>
+                                        <p:tgtEl>
+                                          <p:spTgt spid="5"/>
                                         </p:tgtEl>
                                       </p:cBhvr>
                                     </p:animEffect>
@@ -1956,6 +2241,97 @@
 </p:sld>
 </file>
 
+<file path=ppt/slides/slide3.xml><?xml version="1.0" encoding="utf-8"?>
+<p:sld xmlns:a="http://schemas.openxmlformats.org/drawingml/2006/main" xmlns:r="http://schemas.openxmlformats.org/officeDocument/2006/relationships" xmlns:p="http://schemas.openxmlformats.org/presentationml/2006/main">
+  <p:cSld>
+    <p:spTree>
+      <p:nvGrpSpPr>
+        <p:cNvPr id="1" name=""/>
+        <p:cNvGrpSpPr/>
+        <p:nvPr/>
+      </p:nvGrpSpPr>
+      <p:grpSpPr>
+        <a:xfrm>
+          <a:off x="0" y="0"/>
+          <a:ext cx="0" cy="0"/>
+          <a:chOff x="0" y="0"/>
+          <a:chExt cx="0" cy="0"/>
+        </a:xfrm>
+      </p:grpSpPr>
+      <p:sp>
+        <p:nvSpPr>
+          <p:cNvPr id="4" name="TextBox 3"/>
+          <p:cNvSpPr txBox="1"/>
+          <p:nvPr/>
+        </p:nvSpPr>
+        <p:spPr>
+          <a:xfrm>
+            <a:off x="323528" y="188640"/>
+            <a:ext cx="5040560" cy="523220"/>
+          </a:xfrm>
+          <a:prstGeom prst="rect">
+            <a:avLst/>
+          </a:prstGeom>
+          <a:noFill/>
+        </p:spPr>
+        <p:txBody>
+          <a:bodyPr wrap="square" rtlCol="0">
+            <a:spAutoFit/>
+          </a:bodyPr>
+          <a:lstStyle/>
+          <a:p>
+            <a:r>
+              <a:rPr lang="en-US" sz="2800" b="1" dirty="0" smtClean="0"/>
+              <a:t>Random Forest:</a:t>
+            </a:r>
+            <a:endParaRPr lang="en-US" sz="2800" b="1" dirty="0"/>
+          </a:p>
+        </p:txBody>
+      </p:sp>
+      <p:pic>
+        <p:nvPicPr>
+          <p:cNvPr id="2" name="Picture 1"/>
+          <p:cNvPicPr>
+            <a:picLocks noChangeAspect="1"/>
+          </p:cNvPicPr>
+          <p:nvPr/>
+        </p:nvPicPr>
+        <p:blipFill>
+          <a:blip r:embed="rId3"/>
+          <a:stretch>
+            <a:fillRect/>
+          </a:stretch>
+        </p:blipFill>
+        <p:spPr>
+          <a:xfrm>
+            <a:off x="755576" y="1052736"/>
+            <a:ext cx="7662830" cy="4456360"/>
+          </a:xfrm>
+          <a:prstGeom prst="rect">
+            <a:avLst/>
+          </a:prstGeom>
+        </p:spPr>
+      </p:pic>
+    </p:spTree>
+    <p:extLst>
+      <p:ext uri="{BB962C8B-B14F-4D97-AF65-F5344CB8AC3E}">
+        <p14:creationId xmlns:p14="http://schemas.microsoft.com/office/powerpoint/2010/main" val="3921336645"/>
+      </p:ext>
+    </p:extLst>
+  </p:cSld>
+  <p:clrMapOvr>
+    <a:masterClrMapping/>
+  </p:clrMapOvr>
+  <p:timing>
+    <p:tnLst>
+      <p:par>
+        <p:cTn id="1" dur="indefinite" restart="never" nodeType="tmRoot"/>
+      </p:par>
+    </p:tnLst>
+  </p:timing>
+</p:sld>
+</file>
+
 <file path=ppt/slides/slide4.xml><?xml version="1.0" encoding="utf-8"?>
 <p:sld xmlns:a="http://schemas.openxmlformats.org/drawingml/2006/main" xmlns:r="http://schemas.openxmlformats.org/officeDocument/2006/relationships" xmlns:p="http://schemas.openxmlformats.org/presentationml/2006/main">
   <p:cSld>
@@ -1973,9 +2349,77 @@
           <a:chExt cx="0" cy="0"/>
         </a:xfrm>
       </p:grpSpPr>
+      <p:sp>
+        <p:nvSpPr>
+          <p:cNvPr id="4" name="TextBox 3"/>
+          <p:cNvSpPr txBox="1"/>
+          <p:nvPr/>
+        </p:nvSpPr>
+        <p:spPr>
+          <a:xfrm>
+            <a:off x="323528" y="188640"/>
+            <a:ext cx="5040560" cy="523220"/>
+          </a:xfrm>
+          <a:prstGeom prst="rect">
+            <a:avLst/>
+          </a:prstGeom>
+          <a:noFill/>
+        </p:spPr>
+        <p:txBody>
+          <a:bodyPr wrap="square" rtlCol="0">
+            <a:spAutoFit/>
+          </a:bodyPr>
+          <a:lstStyle/>
+          <a:p>
+            <a:r>
+              <a:rPr lang="en-US" sz="2800" b="1" dirty="0" smtClean="0"/>
+              <a:t>Random Forest:</a:t>
+            </a:r>
+            <a:endParaRPr lang="en-US" sz="2800" b="1" dirty="0"/>
+          </a:p>
+        </p:txBody>
+      </p:sp>
+      <p:sp>
+        <p:nvSpPr>
+          <p:cNvPr id="5" name="TextBox 4"/>
+          <p:cNvSpPr txBox="1"/>
+          <p:nvPr/>
+        </p:nvSpPr>
+        <p:spPr>
+          <a:xfrm>
+            <a:off x="323528" y="1052736"/>
+            <a:ext cx="2736304" cy="461665"/>
+          </a:xfrm>
+          <a:prstGeom prst="rect">
+            <a:avLst/>
+          </a:prstGeom>
+          <a:noFill/>
+        </p:spPr>
+        <p:txBody>
+          <a:bodyPr wrap="square" rtlCol="0">
+            <a:spAutoFit/>
+          </a:bodyPr>
+          <a:lstStyle/>
+          <a:p>
+            <a:r>
+              <a:rPr lang="en-US" sz="2400" b="1" dirty="0" smtClean="0">
+                <a:solidFill>
+                  <a:srgbClr val="00B050"/>
+                </a:solidFill>
+              </a:rPr>
+              <a:t>Classification</a:t>
+            </a:r>
+            <a:endParaRPr lang="en-US" sz="2400" b="1" dirty="0">
+              <a:solidFill>
+                <a:srgbClr val="00B050"/>
+              </a:solidFill>
+            </a:endParaRPr>
+          </a:p>
+        </p:txBody>
+      </p:sp>
       <p:pic>
         <p:nvPicPr>
-          <p:cNvPr id="3" name="Picture 2"/>
+          <p:cNvPr id="2" name="Picture 1"/>
           <p:cNvPicPr>
             <a:picLocks noChangeAspect="1"/>
           </p:cNvPicPr>
@@ -1989,86 +2433,18 @@
         </p:blipFill>
         <p:spPr>
           <a:xfrm>
-            <a:off x="0" y="1412776"/>
-            <a:ext cx="9144000" cy="4137757"/>
+            <a:off x="755576" y="1412777"/>
+            <a:ext cx="7344816" cy="4536504"/>
           </a:xfrm>
           <a:prstGeom prst="rect">
             <a:avLst/>
           </a:prstGeom>
         </p:spPr>
       </p:pic>
-      <p:sp>
-        <p:nvSpPr>
-          <p:cNvPr id="4" name="TextBox 3"/>
-          <p:cNvSpPr txBox="1"/>
-          <p:nvPr/>
-        </p:nvSpPr>
-        <p:spPr>
-          <a:xfrm>
-            <a:off x="323528" y="188640"/>
-            <a:ext cx="5040560" cy="523220"/>
-          </a:xfrm>
-          <a:prstGeom prst="rect">
-            <a:avLst/>
-          </a:prstGeom>
-          <a:noFill/>
-        </p:spPr>
-        <p:txBody>
-          <a:bodyPr wrap="square" rtlCol="0">
-            <a:spAutoFit/>
-          </a:bodyPr>
-          <a:lstStyle/>
-          <a:p>
-            <a:r>
-              <a:rPr lang="en-US" sz="2800" b="1" dirty="0" smtClean="0"/>
-              <a:t>Support Vector Machine:</a:t>
-            </a:r>
-            <a:endParaRPr lang="en-US" sz="2800" b="1" dirty="0"/>
-          </a:p>
-        </p:txBody>
-      </p:sp>
-      <p:sp>
-        <p:nvSpPr>
-          <p:cNvPr id="5" name="TextBox 4"/>
-          <p:cNvSpPr txBox="1"/>
-          <p:nvPr/>
-        </p:nvSpPr>
-        <p:spPr>
-          <a:xfrm>
-            <a:off x="323528" y="1052736"/>
-            <a:ext cx="2736304" cy="461665"/>
-          </a:xfrm>
-          <a:prstGeom prst="rect">
-            <a:avLst/>
-          </a:prstGeom>
-          <a:noFill/>
-        </p:spPr>
-        <p:txBody>
-          <a:bodyPr wrap="square" rtlCol="0">
-            <a:spAutoFit/>
-          </a:bodyPr>
-          <a:lstStyle/>
-          <a:p>
-            <a:r>
-              <a:rPr lang="en-US" sz="2400" b="1" dirty="0" smtClean="0">
-                <a:solidFill>
-                  <a:srgbClr val="00B050"/>
-                </a:solidFill>
-              </a:rPr>
-              <a:t>Classification</a:t>
-            </a:r>
-            <a:endParaRPr lang="en-US" sz="2400" b="1" dirty="0">
-              <a:solidFill>
-                <a:srgbClr val="00B050"/>
-              </a:solidFill>
-            </a:endParaRPr>
-          </a:p>
-        </p:txBody>
-      </p:sp>
     </p:spTree>
     <p:extLst>
       <p:ext uri="{BB962C8B-B14F-4D97-AF65-F5344CB8AC3E}">
-        <p14:creationId xmlns:p14="http://schemas.microsoft.com/office/powerpoint/2010/main" val="294331788"/>
+        <p14:creationId xmlns:p14="http://schemas.microsoft.com/office/powerpoint/2010/main" val="4184974709"/>
       </p:ext>
     </p:extLst>
   </p:cSld>
@@ -2118,8 +2494,8 @@
         </p:blipFill>
         <p:spPr>
           <a:xfrm>
-            <a:off x="179512" y="2204864"/>
-            <a:ext cx="3933133" cy="3528392"/>
+            <a:off x="0" y="1412776"/>
+            <a:ext cx="9144000" cy="4137757"/>
           </a:xfrm>
           <a:prstGeom prst="rect">
             <a:avLst/>
@@ -2134,8 +2510,8 @@
         </p:nvSpPr>
         <p:spPr>
           <a:xfrm>
-            <a:off x="2915816" y="836712"/>
-            <a:ext cx="3384376" cy="523220"/>
+            <a:off x="323528" y="188640"/>
+            <a:ext cx="5040560" cy="523220"/>
           </a:xfrm>
           <a:prstGeom prst="rect">
             <a:avLst/>
@@ -2150,45 +2526,22 @@
           <a:p>
             <a:r>
               <a:rPr lang="en-US" sz="2800" b="1" dirty="0" smtClean="0"/>
-              <a:t>Linear Vs Non-Linear </a:t>
+              <a:t>Support Vector Machine:</a:t>
             </a:r>
             <a:endParaRPr lang="en-US" sz="2800" b="1" dirty="0"/>
           </a:p>
         </p:txBody>
       </p:sp>
-      <p:pic>
-        <p:nvPicPr>
-          <p:cNvPr id="5" name="Picture 4"/>
-          <p:cNvPicPr>
-            <a:picLocks noChangeAspect="1"/>
-          </p:cNvPicPr>
-          <p:nvPr/>
-        </p:nvPicPr>
-        <p:blipFill rotWithShape="1">
-          <a:blip r:embed="rId3"/>
-          <a:srcRect t="31100"/>
-          <a:stretch/>
-        </p:blipFill>
-        <p:spPr>
-          <a:xfrm>
-            <a:off x="4716016" y="1916832"/>
-            <a:ext cx="3886299" cy="3558738"/>
-          </a:xfrm>
-          <a:prstGeom prst="rect">
-            <a:avLst/>
-          </a:prstGeom>
-        </p:spPr>
-      </p:pic>
       <p:sp>
         <p:nvSpPr>
-          <p:cNvPr id="6" name="TextBox 5"/>
+          <p:cNvPr id="5" name="TextBox 4"/>
           <p:cNvSpPr txBox="1"/>
           <p:nvPr/>
         </p:nvSpPr>
         <p:spPr>
           <a:xfrm>
-            <a:off x="179512" y="407736"/>
-            <a:ext cx="1656184" cy="461665"/>
+            <a:off x="323528" y="1052736"/>
+            <a:ext cx="2736304" cy="461665"/>
           </a:xfrm>
           <a:prstGeom prst="rect">
             <a:avLst/>
@@ -2207,7 +2560,7 @@
                   <a:srgbClr val="00B050"/>
                 </a:solidFill>
               </a:rPr>
-              <a:t>Regression</a:t>
+              <a:t>Classification</a:t>
             </a:r>
             <a:endParaRPr lang="en-US" sz="2400" b="1" dirty="0">
               <a:solidFill>
@@ -2220,7 +2573,7 @@
     </p:spTree>
     <p:extLst>
       <p:ext uri="{BB962C8B-B14F-4D97-AF65-F5344CB8AC3E}">
-        <p14:creationId xmlns:p14="http://schemas.microsoft.com/office/powerpoint/2010/main" val="2263446752"/>
+        <p14:creationId xmlns:p14="http://schemas.microsoft.com/office/powerpoint/2010/main" val="294331788"/>
       </p:ext>
     </p:extLst>
   </p:cSld>
@@ -2254,47 +2607,40 @@
           <a:chExt cx="0" cy="0"/>
         </a:xfrm>
       </p:grpSpPr>
+      <p:pic>
+        <p:nvPicPr>
+          <p:cNvPr id="3" name="Picture 2"/>
+          <p:cNvPicPr>
+            <a:picLocks noChangeAspect="1"/>
+          </p:cNvPicPr>
+          <p:nvPr/>
+        </p:nvPicPr>
+        <p:blipFill>
+          <a:blip r:embed="rId2"/>
+          <a:stretch>
+            <a:fillRect/>
+          </a:stretch>
+        </p:blipFill>
+        <p:spPr>
+          <a:xfrm>
+            <a:off x="179512" y="2204864"/>
+            <a:ext cx="3933133" cy="3528392"/>
+          </a:xfrm>
+          <a:prstGeom prst="rect">
+            <a:avLst/>
+          </a:prstGeom>
+        </p:spPr>
+      </p:pic>
       <p:sp>
         <p:nvSpPr>
-          <p:cNvPr id="2" name="Title 1"/>
-          <p:cNvSpPr>
-            <a:spLocks noGrp="1"/>
-          </p:cNvSpPr>
-          <p:nvPr>
-            <p:ph type="title"/>
-          </p:nvPr>
-        </p:nvSpPr>
-        <p:spPr/>
-        <p:txBody>
-          <a:bodyPr/>
-          <a:lstStyle/>
-          <a:p>
-            <a:r>
-              <a:rPr lang="en-US" dirty="0" smtClean="0"/>
-              <a:t>FRCI on Agroforestry (</a:t>
-            </a:r>
-            <a:r>
-              <a:rPr lang="en-US" dirty="0" err="1" smtClean="0"/>
-              <a:t>Cidanau</a:t>
-            </a:r>
-            <a:r>
-              <a:rPr lang="en-US" dirty="0" smtClean="0"/>
-              <a:t>)</a:t>
-            </a:r>
-            <a:endParaRPr lang="en-US" dirty="0"/>
-          </a:p>
-        </p:txBody>
-      </p:sp>
-      <p:sp>
-        <p:nvSpPr>
-          <p:cNvPr id="3" name="TextBox 2"/>
+          <p:cNvPr id="4" name="TextBox 3"/>
           <p:cNvSpPr txBox="1"/>
           <p:nvPr/>
         </p:nvSpPr>
         <p:spPr>
           <a:xfrm>
-            <a:off x="395536" y="1556792"/>
-            <a:ext cx="7848872" cy="2677656"/>
+            <a:off x="2915816" y="836712"/>
+            <a:ext cx="3384376" cy="523220"/>
           </a:xfrm>
           <a:prstGeom prst="rect">
             <a:avLst/>
@@ -2307,86 +2653,79 @@
           </a:bodyPr>
           <a:lstStyle/>
           <a:p>
-            <a:pPr marL="285750" indent="-285750">
-              <a:buFont typeface="Wingdings" panose="05000000000000000000" pitchFamily="2" charset="2"/>
-              <a:buChar char="v"/>
-            </a:pPr>
-            <a:r>
-              <a:rPr lang="en-US" sz="2400" dirty="0" smtClean="0"/>
-              <a:t>FRCI calculated using LiDAR data</a:t>
-            </a:r>
-          </a:p>
-          <a:p>
-            <a:pPr marL="285750" indent="-285750">
-              <a:buFont typeface="Wingdings" panose="05000000000000000000" pitchFamily="2" charset="2"/>
-              <a:buChar char="v"/>
-            </a:pPr>
-            <a:r>
-              <a:rPr lang="en-US" sz="2400" dirty="0" smtClean="0"/>
-              <a:t>300 Sample data</a:t>
-            </a:r>
-          </a:p>
-          <a:p>
-            <a:pPr marL="285750" indent="-285750">
-              <a:buFont typeface="Wingdings" panose="05000000000000000000" pitchFamily="2" charset="2"/>
-              <a:buChar char="v"/>
-            </a:pPr>
-            <a:r>
-              <a:rPr lang="en-US" sz="2400" dirty="0"/>
-              <a:t>Divide Data (Training and testing data</a:t>
-            </a:r>
-            <a:r>
-              <a:rPr lang="en-US" sz="2400" dirty="0" smtClean="0"/>
-              <a:t>)</a:t>
-            </a:r>
-          </a:p>
-          <a:p>
-            <a:pPr marL="285750" indent="-285750">
-              <a:buFont typeface="Wingdings" panose="05000000000000000000" pitchFamily="2" charset="2"/>
-              <a:buChar char="v"/>
-            </a:pPr>
-            <a:r>
-              <a:rPr lang="en-US" sz="2400" dirty="0" err="1" smtClean="0"/>
-              <a:t>Normalisasi</a:t>
-            </a:r>
-            <a:r>
-              <a:rPr lang="en-US" sz="2400" dirty="0" smtClean="0"/>
-              <a:t> Data (Feature Scaling)</a:t>
-            </a:r>
-          </a:p>
-          <a:p>
-            <a:pPr marL="285750" indent="-285750">
-              <a:buFont typeface="Wingdings" panose="05000000000000000000" pitchFamily="2" charset="2"/>
-              <a:buChar char="v"/>
-            </a:pPr>
-            <a:r>
-              <a:rPr lang="en-US" sz="2400" dirty="0" smtClean="0"/>
-              <a:t>K-fold cross validation</a:t>
-            </a:r>
-          </a:p>
-          <a:p>
-            <a:pPr marL="285750" indent="-285750">
-              <a:buFont typeface="Wingdings" panose="05000000000000000000" pitchFamily="2" charset="2"/>
-              <a:buChar char="v"/>
-            </a:pPr>
-            <a:r>
-              <a:rPr lang="en-US" sz="2400" dirty="0" smtClean="0"/>
-              <a:t>Model predicted using SVR (Support Vector Regression)</a:t>
-            </a:r>
-          </a:p>
-          <a:p>
-            <a:pPr marL="285750" indent="-285750">
-              <a:buFont typeface="Wingdings" panose="05000000000000000000" pitchFamily="2" charset="2"/>
-              <a:buChar char="v"/>
-            </a:pPr>
-            <a:endParaRPr lang="en-US" sz="2400" dirty="0"/>
+            <a:r>
+              <a:rPr lang="en-US" sz="2800" b="1" dirty="0" smtClean="0"/>
+              <a:t>Linear Vs Non-Linear </a:t>
+            </a:r>
+            <a:endParaRPr lang="en-US" sz="2800" b="1" dirty="0"/>
+          </a:p>
+        </p:txBody>
+      </p:sp>
+      <p:pic>
+        <p:nvPicPr>
+          <p:cNvPr id="5" name="Picture 4"/>
+          <p:cNvPicPr>
+            <a:picLocks noChangeAspect="1"/>
+          </p:cNvPicPr>
+          <p:nvPr/>
+        </p:nvPicPr>
+        <p:blipFill rotWithShape="1">
+          <a:blip r:embed="rId3"/>
+          <a:srcRect t="31100"/>
+          <a:stretch/>
+        </p:blipFill>
+        <p:spPr>
+          <a:xfrm>
+            <a:off x="4716016" y="1916832"/>
+            <a:ext cx="3886299" cy="3558738"/>
+          </a:xfrm>
+          <a:prstGeom prst="rect">
+            <a:avLst/>
+          </a:prstGeom>
+        </p:spPr>
+      </p:pic>
+      <p:sp>
+        <p:nvSpPr>
+          <p:cNvPr id="6" name="TextBox 5"/>
+          <p:cNvSpPr txBox="1"/>
+          <p:nvPr/>
+        </p:nvSpPr>
+        <p:spPr>
+          <a:xfrm>
+            <a:off x="179512" y="407736"/>
+            <a:ext cx="1656184" cy="461665"/>
+          </a:xfrm>
+          <a:prstGeom prst="rect">
+            <a:avLst/>
+          </a:prstGeom>
+          <a:noFill/>
+        </p:spPr>
+        <p:txBody>
+          <a:bodyPr wrap="square" rtlCol="0">
+            <a:spAutoFit/>
+          </a:bodyPr>
+          <a:lstStyle/>
+          <a:p>
+            <a:r>
+              <a:rPr lang="en-US" sz="2400" b="1" dirty="0" smtClean="0">
+                <a:solidFill>
+                  <a:srgbClr val="00B050"/>
+                </a:solidFill>
+              </a:rPr>
+              <a:t>Regression</a:t>
+            </a:r>
+            <a:endParaRPr lang="en-US" sz="2400" b="1" dirty="0">
+              <a:solidFill>
+                <a:srgbClr val="00B050"/>
+              </a:solidFill>
+            </a:endParaRPr>
           </a:p>
         </p:txBody>
       </p:sp>
     </p:spTree>
     <p:extLst>
       <p:ext uri="{BB962C8B-B14F-4D97-AF65-F5344CB8AC3E}">
-        <p14:creationId xmlns:p14="http://schemas.microsoft.com/office/powerpoint/2010/main" val="1063735780"/>
+        <p14:creationId xmlns:p14="http://schemas.microsoft.com/office/powerpoint/2010/main" val="2263446752"/>
       </p:ext>
     </p:extLst>
   </p:cSld>
@@ -2422,154 +2761,156 @@
       </p:grpSpPr>
       <p:sp>
         <p:nvSpPr>
-          <p:cNvPr id="4" name="Rectangle 3"/>
-          <p:cNvSpPr/>
-          <p:nvPr/>
+          <p:cNvPr id="2" name="Title 1"/>
+          <p:cNvSpPr>
+            <a:spLocks noGrp="1"/>
+          </p:cNvSpPr>
+          <p:nvPr>
+            <p:ph type="title"/>
+          </p:nvPr>
         </p:nvSpPr>
-        <p:spPr>
-          <a:xfrm>
-            <a:off x="248509" y="332656"/>
-            <a:ext cx="3782254" cy="369332"/>
-          </a:xfrm>
-          <a:prstGeom prst="rect">
-            <a:avLst/>
-          </a:prstGeom>
-        </p:spPr>
+        <p:spPr/>
         <p:txBody>
-          <a:bodyPr wrap="none">
-            <a:spAutoFit/>
-          </a:bodyPr>
+          <a:bodyPr/>
           <a:lstStyle/>
           <a:p>
             <a:r>
-              <a:rPr lang="en-US" b="1" dirty="0" err="1" smtClean="0"/>
-              <a:t>Normalisasi</a:t>
-            </a:r>
-            <a:r>
-              <a:rPr lang="en-US" b="1" dirty="0" smtClean="0"/>
-              <a:t> Data with </a:t>
-            </a:r>
-            <a:r>
-              <a:rPr lang="en-US" b="1" dirty="0" err="1" smtClean="0"/>
-              <a:t>StandardScaler</a:t>
-            </a:r>
-            <a:endParaRPr lang="en-US" b="1" dirty="0"/>
+              <a:rPr lang="en-US" dirty="0" smtClean="0"/>
+              <a:t>FRCI on Agroforestry (</a:t>
+            </a:r>
+            <a:r>
+              <a:rPr lang="en-US" dirty="0" err="1" smtClean="0"/>
+              <a:t>Cidanau</a:t>
+            </a:r>
+            <a:r>
+              <a:rPr lang="en-US" dirty="0" smtClean="0"/>
+              <a:t>)</a:t>
+            </a:r>
+            <a:endParaRPr lang="en-US" dirty="0"/>
           </a:p>
         </p:txBody>
       </p:sp>
       <p:sp>
         <p:nvSpPr>
-          <p:cNvPr id="5" name="Rectangle 4"/>
-          <p:cNvSpPr/>
+          <p:cNvPr id="3" name="TextBox 2"/>
+          <p:cNvSpPr txBox="1"/>
           <p:nvPr/>
         </p:nvSpPr>
         <p:spPr>
           <a:xfrm>
-            <a:off x="-36511" y="5589240"/>
-            <a:ext cx="8932002" cy="369332"/>
-          </a:xfrm>
-          <a:prstGeom prst="rect">
-            <a:avLst/>
-          </a:prstGeom>
+            <a:off x="395536" y="1556792"/>
+            <a:ext cx="7848872" cy="3046988"/>
+          </a:xfrm>
+          <a:prstGeom prst="rect">
+            <a:avLst/>
+          </a:prstGeom>
+          <a:noFill/>
         </p:spPr>
         <p:txBody>
-          <a:bodyPr wrap="square">
+          <a:bodyPr wrap="square" rtlCol="0">
             <a:spAutoFit/>
           </a:bodyPr>
           <a:lstStyle/>
           <a:p>
-            <a:r>
-              <a:rPr lang="en-US" dirty="0"/>
-              <a:t>https://</a:t>
-            </a:r>
-            <a:r>
-              <a:rPr lang="en-US" dirty="0" smtClean="0"/>
-              <a:t>scikit-learn.org/stable/modules/generated/sklearn.preprocessing.StandardScaler.html</a:t>
-            </a:r>
-            <a:endParaRPr lang="en-US" dirty="0"/>
-          </a:p>
-        </p:txBody>
-      </p:sp>
-      <p:pic>
-        <p:nvPicPr>
-          <p:cNvPr id="6" name="Picture 5"/>
-          <p:cNvPicPr>
-            <a:picLocks noChangeAspect="1"/>
-          </p:cNvPicPr>
-          <p:nvPr/>
-        </p:nvPicPr>
-        <p:blipFill>
-          <a:blip r:embed="rId2"/>
-          <a:stretch>
-            <a:fillRect/>
-          </a:stretch>
-        </p:blipFill>
-        <p:spPr>
-          <a:xfrm>
-            <a:off x="899592" y="1124744"/>
-            <a:ext cx="5525641" cy="1728192"/>
-          </a:xfrm>
-          <a:prstGeom prst="rect">
-            <a:avLst/>
-          </a:prstGeom>
-        </p:spPr>
-      </p:pic>
-      <p:pic>
-        <p:nvPicPr>
-          <p:cNvPr id="7" name="Picture 6"/>
-          <p:cNvPicPr>
-            <a:picLocks noChangeAspect="1"/>
-          </p:cNvPicPr>
-          <p:nvPr/>
-        </p:nvPicPr>
-        <p:blipFill>
-          <a:blip r:embed="rId3"/>
-          <a:stretch>
-            <a:fillRect/>
-          </a:stretch>
-        </p:blipFill>
-        <p:spPr>
-          <a:xfrm>
-            <a:off x="2987824" y="3068960"/>
-            <a:ext cx="5462660" cy="1656184"/>
-          </a:xfrm>
-          <a:prstGeom prst="rect">
-            <a:avLst/>
-          </a:prstGeom>
-        </p:spPr>
-      </p:pic>
-      <p:sp>
-        <p:nvSpPr>
-          <p:cNvPr id="8" name="Rectangle 7"/>
-          <p:cNvSpPr/>
-          <p:nvPr/>
-        </p:nvSpPr>
-        <p:spPr>
-          <a:xfrm>
-            <a:off x="-36511" y="5332568"/>
-            <a:ext cx="7796819" cy="369332"/>
-          </a:xfrm>
-          <a:prstGeom prst="rect">
-            <a:avLst/>
-          </a:prstGeom>
-        </p:spPr>
-        <p:txBody>
-          <a:bodyPr wrap="square">
-            <a:spAutoFit/>
-          </a:bodyPr>
-          <a:lstStyle/>
-          <a:p>
-            <a:r>
-              <a:rPr lang="en-US" dirty="0"/>
-              <a:t>http://benalexkeen.com/feature-scaling-with-scikit-learn/</a:t>
-            </a:r>
+            <a:pPr marL="285750" indent="-285750">
+              <a:buFont typeface="Wingdings" panose="05000000000000000000" pitchFamily="2" charset="2"/>
+              <a:buChar char="v"/>
+            </a:pPr>
+            <a:r>
+              <a:rPr lang="en-US" sz="2400" dirty="0" smtClean="0"/>
+              <a:t>FRCI calculated using LiDAR data</a:t>
+            </a:r>
+          </a:p>
+          <a:p>
+            <a:pPr marL="285750" indent="-285750">
+              <a:buFont typeface="Wingdings" panose="05000000000000000000" pitchFamily="2" charset="2"/>
+              <a:buChar char="v"/>
+            </a:pPr>
+            <a:r>
+              <a:rPr lang="en-US" sz="2400" dirty="0" smtClean="0"/>
+              <a:t>800 </a:t>
+            </a:r>
+            <a:r>
+              <a:rPr lang="en-US" sz="2400" dirty="0" smtClean="0"/>
+              <a:t>Sample data</a:t>
+            </a:r>
+          </a:p>
+          <a:p>
+            <a:pPr marL="285750" indent="-285750">
+              <a:buFont typeface="Wingdings" panose="05000000000000000000" pitchFamily="2" charset="2"/>
+              <a:buChar char="v"/>
+            </a:pPr>
+            <a:r>
+              <a:rPr lang="en-US" sz="2400" dirty="0"/>
+              <a:t>Divide Data (Training and testing data</a:t>
+            </a:r>
+            <a:r>
+              <a:rPr lang="en-US" sz="2400" dirty="0" smtClean="0"/>
+              <a:t>)</a:t>
+            </a:r>
+          </a:p>
+          <a:p>
+            <a:pPr marL="285750" indent="-285750">
+              <a:buFont typeface="Wingdings" panose="05000000000000000000" pitchFamily="2" charset="2"/>
+              <a:buChar char="v"/>
+            </a:pPr>
+            <a:r>
+              <a:rPr lang="en-US" sz="2400" dirty="0" smtClean="0"/>
+              <a:t>Data Normalization (Feature </a:t>
+            </a:r>
+            <a:r>
+              <a:rPr lang="en-US" sz="2400" dirty="0" smtClean="0"/>
+              <a:t>Scaling)</a:t>
+            </a:r>
+          </a:p>
+          <a:p>
+            <a:pPr marL="285750" indent="-285750">
+              <a:buFont typeface="Wingdings" panose="05000000000000000000" pitchFamily="2" charset="2"/>
+              <a:buChar char="v"/>
+            </a:pPr>
+            <a:r>
+              <a:rPr lang="en-US" sz="2400" dirty="0" smtClean="0"/>
+              <a:t>K-fold cross </a:t>
+            </a:r>
+            <a:r>
+              <a:rPr lang="en-US" sz="2400" dirty="0" smtClean="0"/>
+              <a:t>validation</a:t>
+            </a:r>
+          </a:p>
+          <a:p>
+            <a:pPr marL="285750" indent="-285750">
+              <a:buFont typeface="Wingdings" panose="05000000000000000000" pitchFamily="2" charset="2"/>
+              <a:buChar char="v"/>
+            </a:pPr>
+            <a:r>
+              <a:rPr lang="en-US" sz="2400" dirty="0" smtClean="0"/>
+              <a:t>Model predicted using Random Forest Regression</a:t>
+            </a:r>
+            <a:endParaRPr lang="en-US" sz="2400" dirty="0" smtClean="0"/>
+          </a:p>
+          <a:p>
+            <a:pPr marL="285750" indent="-285750">
+              <a:buFont typeface="Wingdings" panose="05000000000000000000" pitchFamily="2" charset="2"/>
+              <a:buChar char="v"/>
+            </a:pPr>
+            <a:r>
+              <a:rPr lang="en-US" sz="2400" dirty="0" smtClean="0"/>
+              <a:t>Model predicted using SVR (Support Vector Regression)</a:t>
+            </a:r>
+          </a:p>
+          <a:p>
+            <a:pPr marL="285750" indent="-285750">
+              <a:buFont typeface="Wingdings" panose="05000000000000000000" pitchFamily="2" charset="2"/>
+              <a:buChar char="v"/>
+            </a:pPr>
+            <a:endParaRPr lang="en-US" sz="2400" dirty="0"/>
           </a:p>
         </p:txBody>
       </p:sp>
     </p:spTree>
     <p:extLst>
       <p:ext uri="{BB962C8B-B14F-4D97-AF65-F5344CB8AC3E}">
-        <p14:creationId xmlns:p14="http://schemas.microsoft.com/office/powerpoint/2010/main" val="3888246916"/>
+        <p14:creationId xmlns:p14="http://schemas.microsoft.com/office/powerpoint/2010/main" val="1063735780"/>
       </p:ext>
     </p:extLst>
   </p:cSld>
@@ -2605,22 +2946,69 @@
       </p:grpSpPr>
       <p:sp>
         <p:nvSpPr>
-          <p:cNvPr id="2" name="Title 1"/>
-          <p:cNvSpPr>
-            <a:spLocks noGrp="1"/>
-          </p:cNvSpPr>
-          <p:nvPr>
-            <p:ph type="title"/>
-          </p:nvPr>
+          <p:cNvPr id="4" name="Rectangle 3"/>
+          <p:cNvSpPr/>
+          <p:nvPr/>
         </p:nvSpPr>
-        <p:spPr/>
+        <p:spPr>
+          <a:xfrm>
+            <a:off x="248509" y="332656"/>
+            <a:ext cx="3782254" cy="369332"/>
+          </a:xfrm>
+          <a:prstGeom prst="rect">
+            <a:avLst/>
+          </a:prstGeom>
+        </p:spPr>
         <p:txBody>
-          <a:bodyPr/>
+          <a:bodyPr wrap="none">
+            <a:spAutoFit/>
+          </a:bodyPr>
           <a:lstStyle/>
           <a:p>
             <a:r>
+              <a:rPr lang="en-US" b="1" dirty="0" err="1" smtClean="0"/>
+              <a:t>Normalisasi</a:t>
+            </a:r>
+            <a:r>
+              <a:rPr lang="en-US" b="1" dirty="0" smtClean="0"/>
+              <a:t> Data with </a:t>
+            </a:r>
+            <a:r>
+              <a:rPr lang="en-US" b="1" dirty="0" err="1" smtClean="0"/>
+              <a:t>StandardScaler</a:t>
+            </a:r>
+            <a:endParaRPr lang="en-US" b="1" dirty="0"/>
+          </a:p>
+        </p:txBody>
+      </p:sp>
+      <p:sp>
+        <p:nvSpPr>
+          <p:cNvPr id="5" name="Rectangle 4"/>
+          <p:cNvSpPr/>
+          <p:nvPr/>
+        </p:nvSpPr>
+        <p:spPr>
+          <a:xfrm>
+            <a:off x="-36511" y="5589240"/>
+            <a:ext cx="8932002" cy="369332"/>
+          </a:xfrm>
+          <a:prstGeom prst="rect">
+            <a:avLst/>
+          </a:prstGeom>
+        </p:spPr>
+        <p:txBody>
+          <a:bodyPr wrap="square">
+            <a:spAutoFit/>
+          </a:bodyPr>
+          <a:lstStyle/>
+          <a:p>
+            <a:r>
+              <a:rPr lang="en-US" dirty="0"/>
+              <a:t>https://</a:t>
+            </a:r>
+            <a:r>
               <a:rPr lang="en-US" dirty="0" smtClean="0"/>
-              <a:t>K-Fold Cross Validation</a:t>
+              <a:t>scikit-learn.org/stable/modules/generated/sklearn.preprocessing.StandardScaler.html</a:t>
             </a:r>
             <a:endParaRPr lang="en-US" dirty="0"/>
           </a:p>
@@ -2628,7 +3016,7 @@
       </p:sp>
       <p:pic>
         <p:nvPicPr>
-          <p:cNvPr id="3" name="Picture 2"/>
+          <p:cNvPr id="6" name="Picture 5"/>
           <p:cNvPicPr>
             <a:picLocks noChangeAspect="1"/>
           </p:cNvPicPr>
@@ -2642,18 +3030,70 @@
         </p:blipFill>
         <p:spPr>
           <a:xfrm>
-            <a:off x="0" y="933294"/>
-            <a:ext cx="9144000" cy="4991411"/>
+            <a:off x="899592" y="1124744"/>
+            <a:ext cx="5525641" cy="1728192"/>
           </a:xfrm>
           <a:prstGeom prst="rect">
             <a:avLst/>
           </a:prstGeom>
         </p:spPr>
       </p:pic>
+      <p:pic>
+        <p:nvPicPr>
+          <p:cNvPr id="7" name="Picture 6"/>
+          <p:cNvPicPr>
+            <a:picLocks noChangeAspect="1"/>
+          </p:cNvPicPr>
+          <p:nvPr/>
+        </p:nvPicPr>
+        <p:blipFill>
+          <a:blip r:embed="rId3"/>
+          <a:stretch>
+            <a:fillRect/>
+          </a:stretch>
+        </p:blipFill>
+        <p:spPr>
+          <a:xfrm>
+            <a:off x="2987824" y="3068960"/>
+            <a:ext cx="5462660" cy="1656184"/>
+          </a:xfrm>
+          <a:prstGeom prst="rect">
+            <a:avLst/>
+          </a:prstGeom>
+        </p:spPr>
+      </p:pic>
+      <p:sp>
+        <p:nvSpPr>
+          <p:cNvPr id="8" name="Rectangle 7"/>
+          <p:cNvSpPr/>
+          <p:nvPr/>
+        </p:nvSpPr>
+        <p:spPr>
+          <a:xfrm>
+            <a:off x="-36511" y="5332568"/>
+            <a:ext cx="7796819" cy="369332"/>
+          </a:xfrm>
+          <a:prstGeom prst="rect">
+            <a:avLst/>
+          </a:prstGeom>
+        </p:spPr>
+        <p:txBody>
+          <a:bodyPr wrap="square">
+            <a:spAutoFit/>
+          </a:bodyPr>
+          <a:lstStyle/>
+          <a:p>
+            <a:r>
+              <a:rPr lang="en-US" dirty="0"/>
+              <a:t>http://benalexkeen.com/feature-scaling-with-scikit-learn/</a:t>
+            </a:r>
+          </a:p>
+        </p:txBody>
+      </p:sp>
     </p:spTree>
     <p:extLst>
       <p:ext uri="{BB962C8B-B14F-4D97-AF65-F5344CB8AC3E}">
-        <p14:creationId xmlns:p14="http://schemas.microsoft.com/office/powerpoint/2010/main" val="1403996502"/>
+        <p14:creationId xmlns:p14="http://schemas.microsoft.com/office/powerpoint/2010/main" val="3888246916"/>
       </p:ext>
     </p:extLst>
   </p:cSld>
@@ -2689,7 +3129,7 @@
       </p:grpSpPr>
       <p:sp>
         <p:nvSpPr>
-          <p:cNvPr id="4" name="Title 1"/>
+          <p:cNvPr id="2" name="Title 1"/>
           <p:cNvSpPr>
             <a:spLocks noGrp="1"/>
           </p:cNvSpPr>
@@ -2697,23 +3137,14 @@
             <p:ph type="title"/>
           </p:nvPr>
         </p:nvSpPr>
-        <p:spPr>
-          <a:xfrm>
-            <a:off x="179512" y="188640"/>
-            <a:ext cx="8424936" cy="850106"/>
-          </a:xfrm>
-        </p:spPr>
+        <p:spPr/>
         <p:txBody>
           <a:bodyPr/>
           <a:lstStyle/>
           <a:p>
             <a:r>
-              <a:rPr lang="en-US" dirty="0"/>
-              <a:t>Prediction </a:t>
-            </a:r>
-            <a:r>
               <a:rPr lang="en-US" dirty="0" smtClean="0"/>
-              <a:t>Model…[1]</a:t>
+              <a:t>K-Fold Cross Validation</a:t>
             </a:r>
             <a:endParaRPr lang="en-US" dirty="0"/>
           </a:p>
@@ -2721,133 +3152,32 @@
       </p:sp>
       <p:pic>
         <p:nvPicPr>
-          <p:cNvPr id="7" name="Picture 6"/>
+          <p:cNvPr id="3" name="Picture 2"/>
           <p:cNvPicPr>
             <a:picLocks noChangeAspect="1"/>
           </p:cNvPicPr>
           <p:nvPr/>
         </p:nvPicPr>
         <p:blipFill>
-          <a:blip r:embed="rId2">
-            <a:extLst>
-              <a:ext uri="{28A0092B-C50C-407E-A947-70E740481C1C}">
-                <a14:useLocalDpi xmlns:a14="http://schemas.microsoft.com/office/drawing/2010/main" val="0"/>
-              </a:ext>
-            </a:extLst>
-          </a:blip>
+          <a:blip r:embed="rId2"/>
           <a:stretch>
             <a:fillRect/>
           </a:stretch>
         </p:blipFill>
         <p:spPr>
           <a:xfrm>
-            <a:off x="4572000" y="1916832"/>
-            <a:ext cx="4441453" cy="3516376"/>
+            <a:off x="0" y="933294"/>
+            <a:ext cx="9144000" cy="4991411"/>
           </a:xfrm>
           <a:prstGeom prst="rect">
             <a:avLst/>
           </a:prstGeom>
         </p:spPr>
       </p:pic>
-      <p:pic>
-        <p:nvPicPr>
-          <p:cNvPr id="6" name="Picture 5"/>
-          <p:cNvPicPr>
-            <a:picLocks noChangeAspect="1"/>
-          </p:cNvPicPr>
-          <p:nvPr/>
-        </p:nvPicPr>
-        <p:blipFill rotWithShape="1">
-          <a:blip r:embed="rId3">
-            <a:extLst>
-              <a:ext uri="{28A0092B-C50C-407E-A947-70E740481C1C}">
-                <a14:useLocalDpi xmlns:a14="http://schemas.microsoft.com/office/drawing/2010/main" val="0"/>
-              </a:ext>
-            </a:extLst>
-          </a:blip>
-          <a:srcRect t="9453"/>
-          <a:stretch/>
-        </p:blipFill>
-        <p:spPr>
-          <a:xfrm>
-            <a:off x="-10110" y="2192848"/>
-            <a:ext cx="4520076" cy="3240360"/>
-          </a:xfrm>
-          <a:prstGeom prst="rect">
-            <a:avLst/>
-          </a:prstGeom>
-        </p:spPr>
-      </p:pic>
-      <p:sp>
-        <p:nvSpPr>
-          <p:cNvPr id="9" name="Rectangle 8"/>
-          <p:cNvSpPr/>
-          <p:nvPr/>
-        </p:nvSpPr>
-        <p:spPr>
-          <a:xfrm>
-            <a:off x="251520" y="1052736"/>
-            <a:ext cx="2121093" cy="646331"/>
-          </a:xfrm>
-          <a:prstGeom prst="rect">
-            <a:avLst/>
-          </a:prstGeom>
-        </p:spPr>
-        <p:txBody>
-          <a:bodyPr wrap="none">
-            <a:spAutoFit/>
-          </a:bodyPr>
-          <a:lstStyle/>
-          <a:p>
-            <a:r>
-              <a:rPr lang="en-US" dirty="0" smtClean="0"/>
-              <a:t>Linear Model</a:t>
-            </a:r>
-          </a:p>
-          <a:p>
-            <a:r>
-              <a:rPr lang="en-US" dirty="0" smtClean="0"/>
-              <a:t>RMSE : 0.008028042</a:t>
-            </a:r>
-            <a:endParaRPr lang="en-US" dirty="0"/>
-          </a:p>
-        </p:txBody>
-      </p:sp>
-      <p:sp>
-        <p:nvSpPr>
-          <p:cNvPr id="10" name="TextBox 9"/>
-          <p:cNvSpPr txBox="1"/>
-          <p:nvPr/>
-        </p:nvSpPr>
-        <p:spPr>
-          <a:xfrm>
-            <a:off x="3177818" y="1451630"/>
-            <a:ext cx="2664296" cy="461665"/>
-          </a:xfrm>
-          <a:prstGeom prst="rect">
-            <a:avLst/>
-          </a:prstGeom>
-          <a:noFill/>
-        </p:spPr>
-        <p:txBody>
-          <a:bodyPr wrap="square" rtlCol="0">
-            <a:spAutoFit/>
-          </a:bodyPr>
-          <a:lstStyle/>
-          <a:p>
-            <a:pPr algn="ctr"/>
-            <a:r>
-              <a:rPr lang="en-US" sz="2400" b="1" dirty="0" smtClean="0"/>
-              <a:t>FRCI VS Band 4</a:t>
-            </a:r>
-            <a:endParaRPr lang="en-US" sz="2400" b="1" dirty="0"/>
-          </a:p>
-        </p:txBody>
-      </p:sp>
     </p:spTree>
     <p:extLst>
       <p:ext uri="{BB962C8B-B14F-4D97-AF65-F5344CB8AC3E}">
-        <p14:creationId xmlns:p14="http://schemas.microsoft.com/office/powerpoint/2010/main" val="2277436891"/>
+        <p14:creationId xmlns:p14="http://schemas.microsoft.com/office/powerpoint/2010/main" val="1403996502"/>
       </p:ext>
     </p:extLst>
   </p:cSld>

--- a/SVR/Report/FRCI USING SVM_II.pptx
+++ b/SVR/Report/FRCI USING SVM_II.pptx
@@ -5,7 +5,7 @@
     <p:sldMasterId id="2147483648" r:id="rId1"/>
   </p:sldMasterIdLst>
   <p:notesMasterIdLst>
-    <p:notesMasterId r:id="rId15"/>
+    <p:notesMasterId r:id="rId16"/>
   </p:notesMasterIdLst>
   <p:sldIdLst>
     <p:sldId id="256" r:id="rId2"/>
@@ -21,6 +21,7 @@
     <p:sldId id="263" r:id="rId12"/>
     <p:sldId id="264" r:id="rId13"/>
     <p:sldId id="266" r:id="rId14"/>
+    <p:sldId id="270" r:id="rId15"/>
   </p:sldIdLst>
   <p:sldSz cx="9144000" cy="6858000" type="screen4x3"/>
   <p:notesSz cx="6858000" cy="9144000"/>
@@ -232,7 +233,7 @@
           <a:p>
             <a:fld id="{485DB471-B93B-45E3-B23A-C8EFA6773073}" type="datetimeFigureOut">
               <a:rPr lang="id-ID" smtClean="0"/>
-              <a:t>09/12/2018</a:t>
+              <a:t>10/12/2018</a:t>
             </a:fld>
             <a:endParaRPr lang="id-ID"/>
           </a:p>
@@ -1212,21 +1213,7 @@
                 <a:latin typeface="Calibri" panose="020F0502020204030204" pitchFamily="34" charset="0"/>
                 <a:cs typeface="Calibri" panose="020F0502020204030204" pitchFamily="34" charset="0"/>
               </a:rPr>
-              <a:t>Prediction of Forest Canopy Index Using </a:t>
-            </a:r>
-            <a:r>
-              <a:rPr lang="en-GB" sz="3200" dirty="0" smtClean="0">
-                <a:latin typeface="Calibri" panose="020F0502020204030204" pitchFamily="34" charset="0"/>
-                <a:cs typeface="Calibri" panose="020F0502020204030204" pitchFamily="34" charset="0"/>
-              </a:rPr>
-              <a:t>Random Forest and Support </a:t>
-            </a:r>
-            <a:r>
-              <a:rPr lang="en-GB" sz="3200" dirty="0" smtClean="0">
-                <a:latin typeface="Calibri" panose="020F0502020204030204" pitchFamily="34" charset="0"/>
-                <a:cs typeface="Calibri" panose="020F0502020204030204" pitchFamily="34" charset="0"/>
-              </a:rPr>
-              <a:t>Vector Machine</a:t>
+              <a:t>Prediction of Forest Canopy Index Using Random Forest and Support Vector Machine</a:t>
             </a:r>
             <a:endParaRPr lang="en-GB" sz="3200" dirty="0">
               <a:latin typeface="Calibri" panose="020F0502020204030204" pitchFamily="34" charset="0"/>
@@ -1904,6 +1891,155 @@
     <p:extLst>
       <p:ext uri="{BB962C8B-B14F-4D97-AF65-F5344CB8AC3E}">
         <p14:creationId xmlns:p14="http://schemas.microsoft.com/office/powerpoint/2010/main" val="2537110860"/>
+      </p:ext>
+    </p:extLst>
+  </p:cSld>
+  <p:clrMapOvr>
+    <a:masterClrMapping/>
+  </p:clrMapOvr>
+  <p:timing>
+    <p:tnLst>
+      <p:par>
+        <p:cTn id="1" dur="indefinite" restart="never" nodeType="tmRoot"/>
+      </p:par>
+    </p:tnLst>
+  </p:timing>
+</p:sld>
+</file>
+
+<file path=ppt/slides/slide14.xml><?xml version="1.0" encoding="utf-8"?>
+<p:sld xmlns:a="http://schemas.openxmlformats.org/drawingml/2006/main" xmlns:r="http://schemas.openxmlformats.org/officeDocument/2006/relationships" xmlns:p="http://schemas.openxmlformats.org/presentationml/2006/main">
+  <p:cSld>
+    <p:spTree>
+      <p:nvGrpSpPr>
+        <p:cNvPr id="1" name=""/>
+        <p:cNvGrpSpPr/>
+        <p:nvPr/>
+      </p:nvGrpSpPr>
+      <p:grpSpPr>
+        <a:xfrm>
+          <a:off x="0" y="0"/>
+          <a:ext cx="0" cy="0"/>
+          <a:chOff x="0" y="0"/>
+          <a:chExt cx="0" cy="0"/>
+        </a:xfrm>
+      </p:grpSpPr>
+      <p:sp>
+        <p:nvSpPr>
+          <p:cNvPr id="3" name="Title 1"/>
+          <p:cNvSpPr>
+            <a:spLocks noGrp="1"/>
+          </p:cNvSpPr>
+          <p:nvPr>
+            <p:ph type="title"/>
+          </p:nvPr>
+        </p:nvSpPr>
+        <p:spPr>
+          <a:xfrm>
+            <a:off x="179512" y="188640"/>
+            <a:ext cx="8424936" cy="850106"/>
+          </a:xfrm>
+        </p:spPr>
+        <p:txBody>
+          <a:bodyPr/>
+          <a:lstStyle/>
+          <a:p>
+            <a:r>
+              <a:rPr lang="en-US" dirty="0"/>
+              <a:t>Prediction </a:t>
+            </a:r>
+            <a:r>
+              <a:rPr lang="en-US" dirty="0" smtClean="0"/>
+              <a:t>Canopy </a:t>
+            </a:r>
+            <a:r>
+              <a:rPr lang="en-US" dirty="0"/>
+              <a:t>Cover Percentage </a:t>
+            </a:r>
+            <a:r>
+              <a:rPr lang="en-US" dirty="0" smtClean="0"/>
+              <a:t>using Random Forest…[</a:t>
+            </a:r>
+            <a:r>
+              <a:rPr lang="en-US" dirty="0"/>
+              <a:t>5</a:t>
+            </a:r>
+            <a:r>
+              <a:rPr lang="en-US" dirty="0" smtClean="0"/>
+              <a:t>]</a:t>
+            </a:r>
+            <a:endParaRPr lang="en-US" dirty="0"/>
+          </a:p>
+        </p:txBody>
+      </p:sp>
+      <p:sp>
+        <p:nvSpPr>
+          <p:cNvPr id="4" name="Rectangle 3"/>
+          <p:cNvSpPr/>
+          <p:nvPr/>
+        </p:nvSpPr>
+        <p:spPr>
+          <a:xfrm>
+            <a:off x="323528" y="1772816"/>
+            <a:ext cx="1834156" cy="646331"/>
+          </a:xfrm>
+          <a:prstGeom prst="rect">
+            <a:avLst/>
+          </a:prstGeom>
+        </p:spPr>
+        <p:txBody>
+          <a:bodyPr wrap="none">
+            <a:spAutoFit/>
+          </a:bodyPr>
+          <a:lstStyle/>
+          <a:p>
+            <a:r>
+              <a:rPr lang="en-US" dirty="0" smtClean="0"/>
+              <a:t>Random Forest</a:t>
+            </a:r>
+            <a:endParaRPr lang="en-US" dirty="0" smtClean="0"/>
+          </a:p>
+          <a:p>
+            <a:r>
+              <a:rPr lang="en-US" dirty="0"/>
+              <a:t>RMSE :</a:t>
+            </a:r>
+            <a:r>
+              <a:rPr lang="en-US" dirty="0" smtClean="0"/>
+              <a:t>0.1668799</a:t>
+            </a:r>
+            <a:endParaRPr lang="en-US" dirty="0"/>
+          </a:p>
+        </p:txBody>
+      </p:sp>
+      <p:pic>
+        <p:nvPicPr>
+          <p:cNvPr id="2" name="Picture 1"/>
+          <p:cNvPicPr>
+            <a:picLocks noChangeAspect="1"/>
+          </p:cNvPicPr>
+          <p:nvPr/>
+        </p:nvPicPr>
+        <p:blipFill>
+          <a:blip r:embed="rId2"/>
+          <a:stretch>
+            <a:fillRect/>
+          </a:stretch>
+        </p:blipFill>
+        <p:spPr>
+          <a:xfrm>
+            <a:off x="297058" y="2492896"/>
+            <a:ext cx="8523414" cy="2808312"/>
+          </a:xfrm>
+          <a:prstGeom prst="rect">
+            <a:avLst/>
+          </a:prstGeom>
+        </p:spPr>
+      </p:pic>
+    </p:spTree>
+    <p:extLst>
+      <p:ext uri="{BB962C8B-B14F-4D97-AF65-F5344CB8AC3E}">
+        <p14:creationId xmlns:p14="http://schemas.microsoft.com/office/powerpoint/2010/main" val="907373163"/>
       </p:ext>
     </p:extLst>
   </p:cSld>
@@ -2828,11 +2964,7 @@
             </a:pPr>
             <a:r>
               <a:rPr lang="en-US" sz="2400" dirty="0" smtClean="0"/>
-              <a:t>800 </a:t>
-            </a:r>
-            <a:r>
-              <a:rPr lang="en-US" sz="2400" dirty="0" smtClean="0"/>
-              <a:t>Sample data</a:t>
+              <a:t>800 Sample data</a:t>
             </a:r>
           </a:p>
           <a:p>
@@ -2856,11 +2988,7 @@
             </a:pPr>
             <a:r>
               <a:rPr lang="en-US" sz="2400" dirty="0" smtClean="0"/>
-              <a:t>Data Normalization (Feature </a:t>
-            </a:r>
-            <a:r>
-              <a:rPr lang="en-US" sz="2400" dirty="0" smtClean="0"/>
-              <a:t>Scaling)</a:t>
+              <a:t>Data Normalization (Feature Scaling)</a:t>
             </a:r>
           </a:p>
           <a:p>
@@ -2870,11 +2998,7 @@
             </a:pPr>
             <a:r>
               <a:rPr lang="en-US" sz="2400" dirty="0" smtClean="0"/>
-              <a:t>K-fold cross </a:t>
-            </a:r>
-            <a:r>
-              <a:rPr lang="en-US" sz="2400" dirty="0" smtClean="0"/>
-              <a:t>validation</a:t>
+              <a:t>K-fold cross validation</a:t>
             </a:r>
           </a:p>
           <a:p>
@@ -2886,7 +3010,6 @@
               <a:rPr lang="en-US" sz="2400" dirty="0" smtClean="0"/>
               <a:t>Model predicted using Random Forest Regression</a:t>
             </a:r>
-            <a:endParaRPr lang="en-US" sz="2400" dirty="0" smtClean="0"/>
           </a:p>
           <a:p>
             <a:pPr marL="285750" indent="-285750">
